--- a/classes/prog2017/Prog3-Lecture05.pptx
+++ b/classes/prog2017/Prog3-Lecture05.pptx
@@ -154,7 +154,27 @@
       </a:defRPr>
     </a:lvl9pPr>
   </p:defaultTextStyle>
+  <p:extLst>
+    <p:ext uri="{EFAFB233-063F-42B5-8137-9DF3F51BA10A}">
+      <p15:sldGuideLst xmlns:p15="http://schemas.microsoft.com/office/powerpoint/2012/main">
+        <p15:guide id="1" orient="horz" pos="2160">
+          <p15:clr>
+            <a:srgbClr val="A4A3A4"/>
+          </p15:clr>
+        </p15:guide>
+        <p15:guide id="2" pos="2880">
+          <p15:clr>
+            <a:srgbClr val="A4A3A4"/>
+          </p15:clr>
+        </p15:guide>
+      </p15:sldGuideLst>
+    </p:ext>
+  </p:extLst>
 </p:presentation>
+</file>
+
+<file path=ppt/revisionInfo.xml><?xml version="1.0" encoding="utf-8"?>
+<p1510:revInfo xmlns:a="http://schemas.openxmlformats.org/drawingml/2006/main" xmlns:r="http://schemas.openxmlformats.org/officeDocument/2006/relationships" xmlns:p1510="http://schemas.microsoft.com/office/powerpoint/2015/10/main"/>
 </file>
 
 <file path=ppt/notesMasters/notesMaster1.xml><?xml version="1.0" encoding="utf-8"?>
@@ -240,7 +260,7 @@
             <a:fld id="{C0770E16-1574-44A8-B74D-8A4C61DFBF8C}" type="datetimeFigureOut">
               <a:rPr lang="en-US" smtClean="0"/>
               <a:pPr/>
-              <a:t>9/12/2015</a:t>
+              <a:t>9/1/2017</a:t>
             </a:fld>
             <a:endParaRPr lang="en-US"/>
           </a:p>
@@ -306,38 +326,37 @@
           <a:p>
             <a:pPr lvl="0"/>
             <a:r>
-              <a:rPr lang="en-US" smtClean="0"/>
+              <a:rPr lang="en-US"/>
               <a:t>Click to edit Master text styles</a:t>
             </a:r>
           </a:p>
           <a:p>
             <a:pPr lvl="1"/>
             <a:r>
-              <a:rPr lang="en-US" smtClean="0"/>
+              <a:rPr lang="en-US"/>
               <a:t>Second level</a:t>
             </a:r>
           </a:p>
           <a:p>
             <a:pPr lvl="2"/>
             <a:r>
-              <a:rPr lang="en-US" smtClean="0"/>
+              <a:rPr lang="en-US"/>
               <a:t>Third level</a:t>
             </a:r>
           </a:p>
           <a:p>
             <a:pPr lvl="3"/>
             <a:r>
-              <a:rPr lang="en-US" smtClean="0"/>
+              <a:rPr lang="en-US"/>
               <a:t>Fourth level</a:t>
             </a:r>
           </a:p>
           <a:p>
             <a:pPr lvl="4"/>
             <a:r>
-              <a:rPr lang="en-US" smtClean="0"/>
+              <a:rPr lang="en-US"/>
               <a:t>Fifth level</a:t>
             </a:r>
-            <a:endParaRPr lang="en-US"/>
           </a:p>
         </p:txBody>
       </p:sp>
@@ -2680,10 +2699,9 @@
           <a:lstStyle/>
           <a:p>
             <a:r>
-              <a:rPr lang="en-US" smtClean="0"/>
+              <a:rPr lang="en-US"/>
               <a:t>Click to edit Master title style</a:t>
             </a:r>
-            <a:endParaRPr lang="en-US"/>
           </a:p>
         </p:txBody>
       </p:sp>
@@ -2799,10 +2817,9 @@
           </a:lstStyle>
           <a:p>
             <a:r>
-              <a:rPr lang="en-US" smtClean="0"/>
+              <a:rPr lang="en-US"/>
               <a:t>Click to edit Master subtitle style</a:t>
             </a:r>
-            <a:endParaRPr lang="en-US"/>
           </a:p>
         </p:txBody>
       </p:sp>
@@ -2824,7 +2841,7 @@
             <a:fld id="{1D8BD707-D9CF-40AE-B4C6-C98DA3205C09}" type="datetimeFigureOut">
               <a:rPr lang="en-US" smtClean="0"/>
               <a:pPr/>
-              <a:t>9/12/2015</a:t>
+              <a:t>9/1/2017</a:t>
             </a:fld>
             <a:endParaRPr lang="en-US"/>
           </a:p>
@@ -2914,10 +2931,9 @@
           <a:lstStyle/>
           <a:p>
             <a:r>
-              <a:rPr lang="en-US" smtClean="0"/>
+              <a:rPr lang="en-US"/>
               <a:t>Click to edit Master title style</a:t>
             </a:r>
-            <a:endParaRPr lang="en-US"/>
           </a:p>
         </p:txBody>
       </p:sp>
@@ -2938,38 +2954,37 @@
           <a:p>
             <a:pPr lvl="0"/>
             <a:r>
-              <a:rPr lang="en-US" smtClean="0"/>
+              <a:rPr lang="en-US"/>
               <a:t>Click to edit Master text styles</a:t>
             </a:r>
           </a:p>
           <a:p>
             <a:pPr lvl="1"/>
             <a:r>
-              <a:rPr lang="en-US" smtClean="0"/>
+              <a:rPr lang="en-US"/>
               <a:t>Second level</a:t>
             </a:r>
           </a:p>
           <a:p>
             <a:pPr lvl="2"/>
             <a:r>
-              <a:rPr lang="en-US" smtClean="0"/>
+              <a:rPr lang="en-US"/>
               <a:t>Third level</a:t>
             </a:r>
           </a:p>
           <a:p>
             <a:pPr lvl="3"/>
             <a:r>
-              <a:rPr lang="en-US" smtClean="0"/>
+              <a:rPr lang="en-US"/>
               <a:t>Fourth level</a:t>
             </a:r>
           </a:p>
           <a:p>
             <a:pPr lvl="4"/>
             <a:r>
-              <a:rPr lang="en-US" smtClean="0"/>
+              <a:rPr lang="en-US"/>
               <a:t>Fifth level</a:t>
             </a:r>
-            <a:endParaRPr lang="en-US"/>
           </a:p>
         </p:txBody>
       </p:sp>
@@ -2991,7 +3006,7 @@
             <a:fld id="{1D8BD707-D9CF-40AE-B4C6-C98DA3205C09}" type="datetimeFigureOut">
               <a:rPr lang="en-US" smtClean="0"/>
               <a:pPr/>
-              <a:t>9/12/2015</a:t>
+              <a:t>9/1/2017</a:t>
             </a:fld>
             <a:endParaRPr lang="en-US"/>
           </a:p>
@@ -3086,10 +3101,9 @@
           <a:lstStyle/>
           <a:p>
             <a:r>
-              <a:rPr lang="en-US" smtClean="0"/>
+              <a:rPr lang="en-US"/>
               <a:t>Click to edit Master title style</a:t>
             </a:r>
-            <a:endParaRPr lang="en-US"/>
           </a:p>
         </p:txBody>
       </p:sp>
@@ -3115,38 +3129,37 @@
           <a:p>
             <a:pPr lvl="0"/>
             <a:r>
-              <a:rPr lang="en-US" smtClean="0"/>
+              <a:rPr lang="en-US"/>
               <a:t>Click to edit Master text styles</a:t>
             </a:r>
           </a:p>
           <a:p>
             <a:pPr lvl="1"/>
             <a:r>
-              <a:rPr lang="en-US" smtClean="0"/>
+              <a:rPr lang="en-US"/>
               <a:t>Second level</a:t>
             </a:r>
           </a:p>
           <a:p>
             <a:pPr lvl="2"/>
             <a:r>
-              <a:rPr lang="en-US" smtClean="0"/>
+              <a:rPr lang="en-US"/>
               <a:t>Third level</a:t>
             </a:r>
           </a:p>
           <a:p>
             <a:pPr lvl="3"/>
             <a:r>
-              <a:rPr lang="en-US" smtClean="0"/>
+              <a:rPr lang="en-US"/>
               <a:t>Fourth level</a:t>
             </a:r>
           </a:p>
           <a:p>
             <a:pPr lvl="4"/>
             <a:r>
-              <a:rPr lang="en-US" smtClean="0"/>
+              <a:rPr lang="en-US"/>
               <a:t>Fifth level</a:t>
             </a:r>
-            <a:endParaRPr lang="en-US"/>
           </a:p>
         </p:txBody>
       </p:sp>
@@ -3168,7 +3181,7 @@
             <a:fld id="{1D8BD707-D9CF-40AE-B4C6-C98DA3205C09}" type="datetimeFigureOut">
               <a:rPr lang="en-US" smtClean="0"/>
               <a:pPr/>
-              <a:t>9/12/2015</a:t>
+              <a:t>9/1/2017</a:t>
             </a:fld>
             <a:endParaRPr lang="en-US"/>
           </a:p>
@@ -3258,10 +3271,9 @@
           <a:lstStyle/>
           <a:p>
             <a:r>
-              <a:rPr lang="en-US" smtClean="0"/>
+              <a:rPr lang="en-US"/>
               <a:t>Click to edit Master title style</a:t>
             </a:r>
-            <a:endParaRPr lang="en-US"/>
           </a:p>
         </p:txBody>
       </p:sp>
@@ -3282,38 +3294,37 @@
           <a:p>
             <a:pPr lvl="0"/>
             <a:r>
-              <a:rPr lang="en-US" smtClean="0"/>
+              <a:rPr lang="en-US"/>
               <a:t>Click to edit Master text styles</a:t>
             </a:r>
           </a:p>
           <a:p>
             <a:pPr lvl="1"/>
             <a:r>
-              <a:rPr lang="en-US" smtClean="0"/>
+              <a:rPr lang="en-US"/>
               <a:t>Second level</a:t>
             </a:r>
           </a:p>
           <a:p>
             <a:pPr lvl="2"/>
             <a:r>
-              <a:rPr lang="en-US" smtClean="0"/>
+              <a:rPr lang="en-US"/>
               <a:t>Third level</a:t>
             </a:r>
           </a:p>
           <a:p>
             <a:pPr lvl="3"/>
             <a:r>
-              <a:rPr lang="en-US" smtClean="0"/>
+              <a:rPr lang="en-US"/>
               <a:t>Fourth level</a:t>
             </a:r>
           </a:p>
           <a:p>
             <a:pPr lvl="4"/>
             <a:r>
-              <a:rPr lang="en-US" smtClean="0"/>
+              <a:rPr lang="en-US"/>
               <a:t>Fifth level</a:t>
             </a:r>
-            <a:endParaRPr lang="en-US"/>
           </a:p>
         </p:txBody>
       </p:sp>
@@ -3335,7 +3346,7 @@
             <a:fld id="{1D8BD707-D9CF-40AE-B4C6-C98DA3205C09}" type="datetimeFigureOut">
               <a:rPr lang="en-US" smtClean="0"/>
               <a:pPr/>
-              <a:t>9/12/2015</a:t>
+              <a:t>9/1/2017</a:t>
             </a:fld>
             <a:endParaRPr lang="en-US"/>
           </a:p>
@@ -3434,10 +3445,9 @@
           </a:lstStyle>
           <a:p>
             <a:r>
-              <a:rPr lang="en-US" smtClean="0"/>
+              <a:rPr lang="en-US"/>
               <a:t>Click to edit Master title style</a:t>
             </a:r>
-            <a:endParaRPr lang="en-US"/>
           </a:p>
         </p:txBody>
       </p:sp>
@@ -3554,7 +3564,7 @@
           <a:p>
             <a:pPr lvl="0"/>
             <a:r>
-              <a:rPr lang="en-US" smtClean="0"/>
+              <a:rPr lang="en-US"/>
               <a:t>Click to edit Master text styles</a:t>
             </a:r>
           </a:p>
@@ -3578,7 +3588,7 @@
             <a:fld id="{1D8BD707-D9CF-40AE-B4C6-C98DA3205C09}" type="datetimeFigureOut">
               <a:rPr lang="en-US" smtClean="0"/>
               <a:pPr/>
-              <a:t>9/12/2015</a:t>
+              <a:t>9/1/2017</a:t>
             </a:fld>
             <a:endParaRPr lang="en-US"/>
           </a:p>
@@ -3668,10 +3678,9 @@
           <a:lstStyle/>
           <a:p>
             <a:r>
-              <a:rPr lang="en-US" smtClean="0"/>
+              <a:rPr lang="en-US"/>
               <a:t>Click to edit Master title style</a:t>
             </a:r>
-            <a:endParaRPr lang="en-US"/>
           </a:p>
         </p:txBody>
       </p:sp>
@@ -3725,38 +3734,37 @@
           <a:p>
             <a:pPr lvl="0"/>
             <a:r>
-              <a:rPr lang="en-US" smtClean="0"/>
+              <a:rPr lang="en-US"/>
               <a:t>Click to edit Master text styles</a:t>
             </a:r>
           </a:p>
           <a:p>
             <a:pPr lvl="1"/>
             <a:r>
-              <a:rPr lang="en-US" smtClean="0"/>
+              <a:rPr lang="en-US"/>
               <a:t>Second level</a:t>
             </a:r>
           </a:p>
           <a:p>
             <a:pPr lvl="2"/>
             <a:r>
-              <a:rPr lang="en-US" smtClean="0"/>
+              <a:rPr lang="en-US"/>
               <a:t>Third level</a:t>
             </a:r>
           </a:p>
           <a:p>
             <a:pPr lvl="3"/>
             <a:r>
-              <a:rPr lang="en-US" smtClean="0"/>
+              <a:rPr lang="en-US"/>
               <a:t>Fourth level</a:t>
             </a:r>
           </a:p>
           <a:p>
             <a:pPr lvl="4"/>
             <a:r>
-              <a:rPr lang="en-US" smtClean="0"/>
+              <a:rPr lang="en-US"/>
               <a:t>Fifth level</a:t>
             </a:r>
-            <a:endParaRPr lang="en-US"/>
           </a:p>
         </p:txBody>
       </p:sp>
@@ -3810,38 +3818,37 @@
           <a:p>
             <a:pPr lvl="0"/>
             <a:r>
-              <a:rPr lang="en-US" smtClean="0"/>
+              <a:rPr lang="en-US"/>
               <a:t>Click to edit Master text styles</a:t>
             </a:r>
           </a:p>
           <a:p>
             <a:pPr lvl="1"/>
             <a:r>
-              <a:rPr lang="en-US" smtClean="0"/>
+              <a:rPr lang="en-US"/>
               <a:t>Second level</a:t>
             </a:r>
           </a:p>
           <a:p>
             <a:pPr lvl="2"/>
             <a:r>
-              <a:rPr lang="en-US" smtClean="0"/>
+              <a:rPr lang="en-US"/>
               <a:t>Third level</a:t>
             </a:r>
           </a:p>
           <a:p>
             <a:pPr lvl="3"/>
             <a:r>
-              <a:rPr lang="en-US" smtClean="0"/>
+              <a:rPr lang="en-US"/>
               <a:t>Fourth level</a:t>
             </a:r>
           </a:p>
           <a:p>
             <a:pPr lvl="4"/>
             <a:r>
-              <a:rPr lang="en-US" smtClean="0"/>
+              <a:rPr lang="en-US"/>
               <a:t>Fifth level</a:t>
             </a:r>
-            <a:endParaRPr lang="en-US"/>
           </a:p>
         </p:txBody>
       </p:sp>
@@ -3863,7 +3870,7 @@
             <a:fld id="{1D8BD707-D9CF-40AE-B4C6-C98DA3205C09}" type="datetimeFigureOut">
               <a:rPr lang="en-US" smtClean="0"/>
               <a:pPr/>
-              <a:t>9/12/2015</a:t>
+              <a:t>9/1/2017</a:t>
             </a:fld>
             <a:endParaRPr lang="en-US"/>
           </a:p>
@@ -3957,10 +3964,9 @@
           </a:lstStyle>
           <a:p>
             <a:r>
-              <a:rPr lang="en-US" smtClean="0"/>
+              <a:rPr lang="en-US"/>
               <a:t>Click to edit Master title style</a:t>
             </a:r>
-            <a:endParaRPr lang="en-US"/>
           </a:p>
         </p:txBody>
       </p:sp>
@@ -4023,7 +4029,7 @@
           <a:p>
             <a:pPr lvl="0"/>
             <a:r>
-              <a:rPr lang="en-US" smtClean="0"/>
+              <a:rPr lang="en-US"/>
               <a:t>Click to edit Master text styles</a:t>
             </a:r>
           </a:p>
@@ -4079,38 +4085,37 @@
           <a:p>
             <a:pPr lvl="0"/>
             <a:r>
-              <a:rPr lang="en-US" smtClean="0"/>
+              <a:rPr lang="en-US"/>
               <a:t>Click to edit Master text styles</a:t>
             </a:r>
           </a:p>
           <a:p>
             <a:pPr lvl="1"/>
             <a:r>
-              <a:rPr lang="en-US" smtClean="0"/>
+              <a:rPr lang="en-US"/>
               <a:t>Second level</a:t>
             </a:r>
           </a:p>
           <a:p>
             <a:pPr lvl="2"/>
             <a:r>
-              <a:rPr lang="en-US" smtClean="0"/>
+              <a:rPr lang="en-US"/>
               <a:t>Third level</a:t>
             </a:r>
           </a:p>
           <a:p>
             <a:pPr lvl="3"/>
             <a:r>
-              <a:rPr lang="en-US" smtClean="0"/>
+              <a:rPr lang="en-US"/>
               <a:t>Fourth level</a:t>
             </a:r>
           </a:p>
           <a:p>
             <a:pPr lvl="4"/>
             <a:r>
-              <a:rPr lang="en-US" smtClean="0"/>
+              <a:rPr lang="en-US"/>
               <a:t>Fifth level</a:t>
             </a:r>
-            <a:endParaRPr lang="en-US"/>
           </a:p>
         </p:txBody>
       </p:sp>
@@ -4173,7 +4178,7 @@
           <a:p>
             <a:pPr lvl="0"/>
             <a:r>
-              <a:rPr lang="en-US" smtClean="0"/>
+              <a:rPr lang="en-US"/>
               <a:t>Click to edit Master text styles</a:t>
             </a:r>
           </a:p>
@@ -4229,38 +4234,37 @@
           <a:p>
             <a:pPr lvl="0"/>
             <a:r>
-              <a:rPr lang="en-US" smtClean="0"/>
+              <a:rPr lang="en-US"/>
               <a:t>Click to edit Master text styles</a:t>
             </a:r>
           </a:p>
           <a:p>
             <a:pPr lvl="1"/>
             <a:r>
-              <a:rPr lang="en-US" smtClean="0"/>
+              <a:rPr lang="en-US"/>
               <a:t>Second level</a:t>
             </a:r>
           </a:p>
           <a:p>
             <a:pPr lvl="2"/>
             <a:r>
-              <a:rPr lang="en-US" smtClean="0"/>
+              <a:rPr lang="en-US"/>
               <a:t>Third level</a:t>
             </a:r>
           </a:p>
           <a:p>
             <a:pPr lvl="3"/>
             <a:r>
-              <a:rPr lang="en-US" smtClean="0"/>
+              <a:rPr lang="en-US"/>
               <a:t>Fourth level</a:t>
             </a:r>
           </a:p>
           <a:p>
             <a:pPr lvl="4"/>
             <a:r>
-              <a:rPr lang="en-US" smtClean="0"/>
+              <a:rPr lang="en-US"/>
               <a:t>Fifth level</a:t>
             </a:r>
-            <a:endParaRPr lang="en-US"/>
           </a:p>
         </p:txBody>
       </p:sp>
@@ -4282,7 +4286,7 @@
             <a:fld id="{1D8BD707-D9CF-40AE-B4C6-C98DA3205C09}" type="datetimeFigureOut">
               <a:rPr lang="en-US" smtClean="0"/>
               <a:pPr/>
-              <a:t>9/12/2015</a:t>
+              <a:t>9/1/2017</a:t>
             </a:fld>
             <a:endParaRPr lang="en-US"/>
           </a:p>
@@ -4372,10 +4376,9 @@
           <a:lstStyle/>
           <a:p>
             <a:r>
-              <a:rPr lang="en-US" smtClean="0"/>
+              <a:rPr lang="en-US"/>
               <a:t>Click to edit Master title style</a:t>
             </a:r>
-            <a:endParaRPr lang="en-US"/>
           </a:p>
         </p:txBody>
       </p:sp>
@@ -4397,7 +4400,7 @@
             <a:fld id="{1D8BD707-D9CF-40AE-B4C6-C98DA3205C09}" type="datetimeFigureOut">
               <a:rPr lang="en-US" smtClean="0"/>
               <a:pPr/>
-              <a:t>9/12/2015</a:t>
+              <a:t>9/1/2017</a:t>
             </a:fld>
             <a:endParaRPr lang="en-US"/>
           </a:p>
@@ -4489,7 +4492,7 @@
             <a:fld id="{1D8BD707-D9CF-40AE-B4C6-C98DA3205C09}" type="datetimeFigureOut">
               <a:rPr lang="en-US" smtClean="0"/>
               <a:pPr/>
-              <a:t>9/12/2015</a:t>
+              <a:t>9/1/2017</a:t>
             </a:fld>
             <a:endParaRPr lang="en-US"/>
           </a:p>
@@ -4588,10 +4591,9 @@
           </a:lstStyle>
           <a:p>
             <a:r>
-              <a:rPr lang="en-US" smtClean="0"/>
+              <a:rPr lang="en-US"/>
               <a:t>Click to edit Master title style</a:t>
             </a:r>
-            <a:endParaRPr lang="en-US"/>
           </a:p>
         </p:txBody>
       </p:sp>
@@ -4645,38 +4647,37 @@
           <a:p>
             <a:pPr lvl="0"/>
             <a:r>
-              <a:rPr lang="en-US" smtClean="0"/>
+              <a:rPr lang="en-US"/>
               <a:t>Click to edit Master text styles</a:t>
             </a:r>
           </a:p>
           <a:p>
             <a:pPr lvl="1"/>
             <a:r>
-              <a:rPr lang="en-US" smtClean="0"/>
+              <a:rPr lang="en-US"/>
               <a:t>Second level</a:t>
             </a:r>
           </a:p>
           <a:p>
             <a:pPr lvl="2"/>
             <a:r>
-              <a:rPr lang="en-US" smtClean="0"/>
+              <a:rPr lang="en-US"/>
               <a:t>Third level</a:t>
             </a:r>
           </a:p>
           <a:p>
             <a:pPr lvl="3"/>
             <a:r>
-              <a:rPr lang="en-US" smtClean="0"/>
+              <a:rPr lang="en-US"/>
               <a:t>Fourth level</a:t>
             </a:r>
           </a:p>
           <a:p>
             <a:pPr lvl="4"/>
             <a:r>
-              <a:rPr lang="en-US" smtClean="0"/>
+              <a:rPr lang="en-US"/>
               <a:t>Fifth level</a:t>
             </a:r>
-            <a:endParaRPr lang="en-US"/>
           </a:p>
         </p:txBody>
       </p:sp>
@@ -4739,7 +4740,7 @@
           <a:p>
             <a:pPr lvl="0"/>
             <a:r>
-              <a:rPr lang="en-US" smtClean="0"/>
+              <a:rPr lang="en-US"/>
               <a:t>Click to edit Master text styles</a:t>
             </a:r>
           </a:p>
@@ -4763,7 +4764,7 @@
             <a:fld id="{1D8BD707-D9CF-40AE-B4C6-C98DA3205C09}" type="datetimeFigureOut">
               <a:rPr lang="en-US" smtClean="0"/>
               <a:pPr/>
-              <a:t>9/12/2015</a:t>
+              <a:t>9/1/2017</a:t>
             </a:fld>
             <a:endParaRPr lang="en-US"/>
           </a:p>
@@ -4862,10 +4863,9 @@
           </a:lstStyle>
           <a:p>
             <a:r>
-              <a:rPr lang="en-US" smtClean="0"/>
+              <a:rPr lang="en-US"/>
               <a:t>Click to edit Master title style</a:t>
             </a:r>
-            <a:endParaRPr lang="en-US"/>
           </a:p>
         </p:txBody>
       </p:sp>
@@ -4989,7 +4989,7 @@
           <a:p>
             <a:pPr lvl="0"/>
             <a:r>
-              <a:rPr lang="en-US" smtClean="0"/>
+              <a:rPr lang="en-US"/>
               <a:t>Click to edit Master text styles</a:t>
             </a:r>
           </a:p>
@@ -5013,7 +5013,7 @@
             <a:fld id="{1D8BD707-D9CF-40AE-B4C6-C98DA3205C09}" type="datetimeFigureOut">
               <a:rPr lang="en-US" smtClean="0"/>
               <a:pPr/>
-              <a:t>9/12/2015</a:t>
+              <a:t>9/1/2017</a:t>
             </a:fld>
             <a:endParaRPr lang="en-US"/>
           </a:p>
@@ -5118,10 +5118,9 @@
           <a:lstStyle/>
           <a:p>
             <a:r>
-              <a:rPr lang="en-US" smtClean="0"/>
+              <a:rPr lang="en-US"/>
               <a:t>Click to edit Master title style</a:t>
             </a:r>
-            <a:endParaRPr lang="en-US"/>
           </a:p>
         </p:txBody>
       </p:sp>
@@ -5152,38 +5151,37 @@
           <a:p>
             <a:pPr lvl="0"/>
             <a:r>
-              <a:rPr lang="en-US" smtClean="0"/>
+              <a:rPr lang="en-US"/>
               <a:t>Click to edit Master text styles</a:t>
             </a:r>
           </a:p>
           <a:p>
             <a:pPr lvl="1"/>
             <a:r>
-              <a:rPr lang="en-US" smtClean="0"/>
+              <a:rPr lang="en-US"/>
               <a:t>Second level</a:t>
             </a:r>
           </a:p>
           <a:p>
             <a:pPr lvl="2"/>
             <a:r>
-              <a:rPr lang="en-US" smtClean="0"/>
+              <a:rPr lang="en-US"/>
               <a:t>Third level</a:t>
             </a:r>
           </a:p>
           <a:p>
             <a:pPr lvl="3"/>
             <a:r>
-              <a:rPr lang="en-US" smtClean="0"/>
+              <a:rPr lang="en-US"/>
               <a:t>Fourth level</a:t>
             </a:r>
           </a:p>
           <a:p>
             <a:pPr lvl="4"/>
             <a:r>
-              <a:rPr lang="en-US" smtClean="0"/>
+              <a:rPr lang="en-US"/>
               <a:t>Fifth level</a:t>
             </a:r>
-            <a:endParaRPr lang="en-US"/>
           </a:p>
         </p:txBody>
       </p:sp>
@@ -5223,7 +5221,7 @@
             <a:fld id="{1D8BD707-D9CF-40AE-B4C6-C98DA3205C09}" type="datetimeFigureOut">
               <a:rPr lang="en-US" smtClean="0"/>
               <a:pPr/>
-              <a:t>9/12/2015</a:t>
+              <a:t>9/1/2017</a:t>
             </a:fld>
             <a:endParaRPr lang="en-US"/>
           </a:p>
@@ -5616,7 +5614,7 @@
           <a:lstStyle/>
           <a:p>
             <a:r>
-              <a:rPr lang="en-US" sz="2000" dirty="0" smtClean="0">
+              <a:rPr lang="en-US" sz="2000" dirty="0">
                 <a:latin typeface="Arial" pitchFamily="34" charset="0"/>
                 <a:cs typeface="Arial" pitchFamily="34" charset="0"/>
               </a:rPr>
@@ -5625,21 +5623,21 @@
           </a:p>
           <a:p>
             <a:r>
-              <a:rPr lang="en-US" sz="2000" dirty="0" smtClean="0">
+              <a:rPr lang="en-US" sz="2000" dirty="0">
                 <a:latin typeface="Arial" pitchFamily="34" charset="0"/>
                 <a:cs typeface="Arial" pitchFamily="34" charset="0"/>
               </a:rPr>
               <a:t>String, </a:t>
             </a:r>
             <a:r>
-              <a:rPr lang="en-US" sz="2000" dirty="0" err="1" smtClean="0">
+              <a:rPr lang="en-US" sz="2000" dirty="0" err="1">
                 <a:latin typeface="Arial" pitchFamily="34" charset="0"/>
                 <a:cs typeface="Arial" pitchFamily="34" charset="0"/>
               </a:rPr>
               <a:t>StringBuffer</a:t>
             </a:r>
             <a:r>
-              <a:rPr lang="en-US" sz="2000" dirty="0" smtClean="0">
+              <a:rPr lang="en-US" sz="2000" dirty="0">
                 <a:latin typeface="Arial" pitchFamily="34" charset="0"/>
                 <a:cs typeface="Arial" pitchFamily="34" charset="0"/>
               </a:rPr>
@@ -5648,28 +5646,28 @@
           </a:p>
           <a:p>
             <a:r>
-              <a:rPr lang="en-US" sz="2000" dirty="0" err="1" smtClean="0">
+              <a:rPr lang="en-US" sz="2000" dirty="0" err="1">
                 <a:latin typeface="Arial" pitchFamily="34" charset="0"/>
                 <a:cs typeface="Arial" pitchFamily="34" charset="0"/>
               </a:rPr>
               <a:t>BufferedReader</a:t>
             </a:r>
             <a:r>
-              <a:rPr lang="en-US" sz="2000" dirty="0" smtClean="0">
+              <a:rPr lang="en-US" sz="2000" dirty="0">
                 <a:latin typeface="Arial" pitchFamily="34" charset="0"/>
                 <a:cs typeface="Arial" pitchFamily="34" charset="0"/>
               </a:rPr>
               <a:t>, </a:t>
             </a:r>
             <a:r>
-              <a:rPr lang="en-US" sz="2000" dirty="0" err="1" smtClean="0">
+              <a:rPr lang="en-US" sz="2000" dirty="0" err="1">
                 <a:latin typeface="Arial" pitchFamily="34" charset="0"/>
                 <a:cs typeface="Arial" pitchFamily="34" charset="0"/>
               </a:rPr>
               <a:t>FileReader</a:t>
             </a:r>
             <a:r>
-              <a:rPr lang="en-US" sz="2000" dirty="0" smtClean="0">
+              <a:rPr lang="en-US" sz="2000" dirty="0">
                 <a:latin typeface="Arial" pitchFamily="34" charset="0"/>
                 <a:cs typeface="Arial" pitchFamily="34" charset="0"/>
               </a:rPr>
@@ -5678,7 +5676,7 @@
           </a:p>
           <a:p>
             <a:r>
-              <a:rPr lang="en-US" sz="2000" dirty="0" smtClean="0">
+              <a:rPr lang="en-US" sz="2000" dirty="0">
                 <a:latin typeface="Arial" pitchFamily="34" charset="0"/>
                 <a:cs typeface="Arial" pitchFamily="34" charset="0"/>
               </a:rPr>
@@ -5687,16 +5685,12 @@
           </a:p>
           <a:p>
             <a:r>
-              <a:rPr lang="en-US" sz="2000" dirty="0" smtClean="0">
+              <a:rPr lang="en-US" sz="2000" dirty="0">
                 <a:latin typeface="Arial" pitchFamily="34" charset="0"/>
                 <a:cs typeface="Arial" pitchFamily="34" charset="0"/>
               </a:rPr>
               <a:t>From Arrays to Lists</a:t>
             </a:r>
-            <a:endParaRPr lang="en-US" sz="2000" dirty="0">
-              <a:latin typeface="Arial" pitchFamily="34" charset="0"/>
-              <a:cs typeface="Arial" pitchFamily="34" charset="0"/>
-            </a:endParaRPr>
           </a:p>
         </p:txBody>
       </p:sp>
@@ -5738,13 +5732,6 @@
   <p:clrMapOvr>
     <a:masterClrMapping/>
   </p:clrMapOvr>
-  <p:timing>
-    <p:tnLst>
-      <p:par>
-        <p:cTn id="1" dur="indefinite" restart="never" nodeType="tmRoot"/>
-      </p:par>
-    </p:tnLst>
-  </p:timing>
 </p:sld>
 </file>
 
@@ -5788,10 +5775,9 @@
           <a:lstStyle/>
           <a:p>
             <a:r>
-              <a:rPr lang="en-US" dirty="0" smtClean="0"/>
+              <a:rPr lang="en-US" dirty="0"/>
               <a:t>A static method is often invoked by the class name </a:t>
             </a:r>
-            <a:endParaRPr lang="en-US" dirty="0"/>
           </a:p>
         </p:txBody>
       </p:sp>
@@ -5883,10 +5869,9 @@
           <a:lstStyle/>
           <a:p>
             <a:r>
-              <a:rPr lang="en-US" dirty="0" smtClean="0"/>
+              <a:rPr lang="en-US" dirty="0"/>
               <a:t>Make a new circle with radius == 1</a:t>
             </a:r>
-            <a:endParaRPr lang="en-US" dirty="0"/>
           </a:p>
         </p:txBody>
       </p:sp>
@@ -5928,13 +5913,6 @@
   <p:clrMapOvr>
     <a:masterClrMapping/>
   </p:clrMapOvr>
-  <p:timing>
-    <p:tnLst>
-      <p:par>
-        <p:cTn id="1" dur="indefinite" restart="never" nodeType="tmRoot"/>
-      </p:par>
-    </p:tnLst>
-  </p:timing>
 </p:sld>
 </file>
 
@@ -5978,10 +5956,9 @@
           <a:lstStyle/>
           <a:p>
             <a:r>
-              <a:rPr lang="en-US" dirty="0" smtClean="0"/>
+              <a:rPr lang="en-US" dirty="0"/>
               <a:t>A static method is often invoked by the class name </a:t>
             </a:r>
-            <a:endParaRPr lang="en-US" dirty="0"/>
           </a:p>
         </p:txBody>
       </p:sp>
@@ -6073,16 +6050,15 @@
           <a:lstStyle/>
           <a:p>
             <a:r>
-              <a:rPr lang="en-US" dirty="0" smtClean="0"/>
+              <a:rPr lang="en-US" dirty="0"/>
               <a:t>This is an example of the “static factory” pattern.</a:t>
             </a:r>
           </a:p>
           <a:p>
             <a:r>
-              <a:rPr lang="en-US" dirty="0" smtClean="0"/>
+              <a:rPr lang="en-US" dirty="0"/>
               <a:t>A static method instantiates and produces an object</a:t>
             </a:r>
-            <a:endParaRPr lang="en-US" dirty="0"/>
           </a:p>
         </p:txBody>
       </p:sp>
@@ -6091,13 +6067,6 @@
   <p:clrMapOvr>
     <a:masterClrMapping/>
   </p:clrMapOvr>
-  <p:timing>
-    <p:tnLst>
-      <p:par>
-        <p:cTn id="1" dur="indefinite" restart="never" nodeType="tmRoot"/>
-      </p:par>
-    </p:tnLst>
-  </p:timing>
 </p:sld>
 </file>
 
@@ -6141,7 +6110,7 @@
           <a:lstStyle/>
           <a:p>
             <a:r>
-              <a:rPr lang="en-US" dirty="0" smtClean="0"/>
+              <a:rPr lang="en-US" dirty="0"/>
               <a:t>This is item #1 in Effective Java </a:t>
             </a:r>
           </a:p>
@@ -6251,13 +6220,6 @@
   <p:clrMapOvr>
     <a:masterClrMapping/>
   </p:clrMapOvr>
-  <p:timing>
-    <p:tnLst>
-      <p:par>
-        <p:cTn id="1" dur="indefinite" restart="never" nodeType="tmRoot"/>
-      </p:par>
-    </p:tnLst>
-  </p:timing>
 </p:sld>
 </file>
 
@@ -6300,7 +6262,7 @@
           <a:lstStyle/>
           <a:p>
             <a:r>
-              <a:rPr lang="en-US" sz="2000" dirty="0" smtClean="0">
+              <a:rPr lang="en-US" sz="2000" dirty="0">
                 <a:latin typeface="Arial" pitchFamily="34" charset="0"/>
                 <a:cs typeface="Arial" pitchFamily="34" charset="0"/>
               </a:rPr>
@@ -6309,21 +6271,21 @@
           </a:p>
           <a:p>
             <a:r>
-              <a:rPr lang="en-US" sz="2000" dirty="0" smtClean="0">
+              <a:rPr lang="en-US" sz="2000" dirty="0">
                 <a:latin typeface="Arial" pitchFamily="34" charset="0"/>
                 <a:cs typeface="Arial" pitchFamily="34" charset="0"/>
               </a:rPr>
               <a:t>String, </a:t>
             </a:r>
             <a:r>
-              <a:rPr lang="en-US" sz="2000" dirty="0" err="1" smtClean="0">
+              <a:rPr lang="en-US" sz="2000" dirty="0" err="1">
                 <a:latin typeface="Arial" pitchFamily="34" charset="0"/>
                 <a:cs typeface="Arial" pitchFamily="34" charset="0"/>
               </a:rPr>
               <a:t>StringBuffer</a:t>
             </a:r>
             <a:r>
-              <a:rPr lang="en-US" sz="2000" dirty="0" smtClean="0">
+              <a:rPr lang="en-US" sz="2000" dirty="0">
                 <a:latin typeface="Arial" pitchFamily="34" charset="0"/>
                 <a:cs typeface="Arial" pitchFamily="34" charset="0"/>
               </a:rPr>
@@ -6332,28 +6294,28 @@
           </a:p>
           <a:p>
             <a:r>
-              <a:rPr lang="en-US" sz="2000" dirty="0" err="1" smtClean="0">
+              <a:rPr lang="en-US" sz="2000" dirty="0" err="1">
                 <a:latin typeface="Arial" pitchFamily="34" charset="0"/>
                 <a:cs typeface="Arial" pitchFamily="34" charset="0"/>
               </a:rPr>
               <a:t>BufferedReader</a:t>
             </a:r>
             <a:r>
-              <a:rPr lang="en-US" sz="2000" dirty="0" smtClean="0">
+              <a:rPr lang="en-US" sz="2000" dirty="0">
                 <a:latin typeface="Arial" pitchFamily="34" charset="0"/>
                 <a:cs typeface="Arial" pitchFamily="34" charset="0"/>
               </a:rPr>
               <a:t>, </a:t>
             </a:r>
             <a:r>
-              <a:rPr lang="en-US" sz="2000" dirty="0" err="1" smtClean="0">
+              <a:rPr lang="en-US" sz="2000" dirty="0" err="1">
                 <a:latin typeface="Arial" pitchFamily="34" charset="0"/>
                 <a:cs typeface="Arial" pitchFamily="34" charset="0"/>
               </a:rPr>
               <a:t>FileReader</a:t>
             </a:r>
             <a:r>
-              <a:rPr lang="en-US" sz="2000" dirty="0" smtClean="0">
+              <a:rPr lang="en-US" sz="2000" dirty="0">
                 <a:latin typeface="Arial" pitchFamily="34" charset="0"/>
                 <a:cs typeface="Arial" pitchFamily="34" charset="0"/>
               </a:rPr>
@@ -6362,7 +6324,7 @@
           </a:p>
           <a:p>
             <a:r>
-              <a:rPr lang="en-US" sz="2000" dirty="0" smtClean="0">
+              <a:rPr lang="en-US" sz="2000" dirty="0">
                 <a:latin typeface="Arial" pitchFamily="34" charset="0"/>
                 <a:cs typeface="Arial" pitchFamily="34" charset="0"/>
               </a:rPr>
@@ -6371,16 +6333,12 @@
           </a:p>
           <a:p>
             <a:r>
-              <a:rPr lang="en-US" sz="2000" dirty="0" smtClean="0">
+              <a:rPr lang="en-US" sz="2000" dirty="0">
                 <a:latin typeface="Arial" pitchFamily="34" charset="0"/>
                 <a:cs typeface="Arial" pitchFamily="34" charset="0"/>
               </a:rPr>
               <a:t>From Arrays to Lists</a:t>
             </a:r>
-            <a:endParaRPr lang="en-US" sz="2000" dirty="0">
-              <a:latin typeface="Arial" pitchFamily="34" charset="0"/>
-              <a:cs typeface="Arial" pitchFamily="34" charset="0"/>
-            </a:endParaRPr>
           </a:p>
         </p:txBody>
       </p:sp>
@@ -6422,13 +6380,6 @@
   <p:clrMapOvr>
     <a:masterClrMapping/>
   </p:clrMapOvr>
-  <p:timing>
-    <p:tnLst>
-      <p:par>
-        <p:cTn id="1" dur="indefinite" restart="never" nodeType="tmRoot"/>
-      </p:par>
-    </p:tnLst>
-  </p:timing>
 </p:sld>
 </file>
 
@@ -6504,10 +6455,9 @@
           <a:lstStyle/>
           <a:p>
             <a:r>
-              <a:rPr lang="en-US" dirty="0" smtClean="0"/>
+              <a:rPr lang="en-US" dirty="0"/>
               <a:t>We can represent Strings in the C way as Character arrays…</a:t>
             </a:r>
-            <a:endParaRPr lang="en-US" dirty="0"/>
           </a:p>
         </p:txBody>
       </p:sp>
@@ -6548,13 +6498,6 @@
   <p:clrMapOvr>
     <a:masterClrMapping/>
   </p:clrMapOvr>
-  <p:timing>
-    <p:tnLst>
-      <p:par>
-        <p:cTn id="1" dur="indefinite" restart="never" nodeType="tmRoot"/>
-      </p:par>
-    </p:tnLst>
-  </p:timing>
 </p:sld>
 </file>
 
@@ -6598,10 +6541,9 @@
           <a:lstStyle/>
           <a:p>
             <a:r>
-              <a:rPr lang="en-US" dirty="0" smtClean="0"/>
+              <a:rPr lang="en-US" dirty="0"/>
               <a:t>But much better is Java’s built in String class</a:t>
             </a:r>
-            <a:endParaRPr lang="en-US" dirty="0"/>
           </a:p>
         </p:txBody>
       </p:sp>
@@ -6660,10 +6602,9 @@
           <a:lstStyle/>
           <a:p>
             <a:r>
-              <a:rPr lang="en-US" dirty="0" smtClean="0"/>
+              <a:rPr lang="en-US" dirty="0"/>
               <a:t>If you peruse the Java Doc’s for String, you will see many useful functions…</a:t>
             </a:r>
-            <a:endParaRPr lang="en-US" dirty="0"/>
           </a:p>
         </p:txBody>
       </p:sp>
@@ -6672,13 +6613,6 @@
   <p:clrMapOvr>
     <a:masterClrMapping/>
   </p:clrMapOvr>
-  <p:timing>
-    <p:tnLst>
-      <p:par>
-        <p:cTn id="1" dur="indefinite" restart="never" nodeType="tmRoot"/>
-      </p:par>
-    </p:tnLst>
-  </p:timing>
 </p:sld>
 </file>
 
@@ -6722,10 +6656,9 @@
           <a:lstStyle/>
           <a:p>
             <a:r>
-              <a:rPr lang="en-US" dirty="0" smtClean="0"/>
+              <a:rPr lang="en-US" dirty="0"/>
               <a:t>It is easy to iterate through the characters in a String</a:t>
             </a:r>
-            <a:endParaRPr lang="en-US" dirty="0"/>
           </a:p>
         </p:txBody>
       </p:sp>
@@ -6798,13 +6731,6 @@
   <p:clrMapOvr>
     <a:masterClrMapping/>
   </p:clrMapOvr>
-  <p:timing>
-    <p:tnLst>
-      <p:par>
-        <p:cTn id="1" dur="indefinite" restart="never" nodeType="tmRoot"/>
-      </p:par>
-    </p:tnLst>
-  </p:timing>
 </p:sld>
 </file>
 
@@ -6880,11 +6806,11 @@
           <a:lstStyle/>
           <a:p>
             <a:r>
-              <a:rPr lang="en-US" dirty="0" smtClean="0"/>
+              <a:rPr lang="en-US" dirty="0"/>
               <a:t>Java strings are </a:t>
             </a:r>
             <a:r>
-              <a:rPr lang="en-US" dirty="0" smtClean="0">
+              <a:rPr lang="en-US" dirty="0">
                 <a:solidFill>
                   <a:srgbClr val="FF0000"/>
                 </a:solidFill>
@@ -6892,22 +6818,21 @@
               <a:t>immutable</a:t>
             </a:r>
             <a:r>
-              <a:rPr lang="en-US" dirty="0" smtClean="0"/>
+              <a:rPr lang="en-US" dirty="0"/>
               <a:t>…</a:t>
             </a:r>
           </a:p>
           <a:p>
             <a:r>
-              <a:rPr lang="en-US" dirty="0" smtClean="0"/>
+              <a:rPr lang="en-US" dirty="0"/>
               <a:t>Once you have a reference to a String, the reference can change, but the </a:t>
             </a:r>
           </a:p>
           <a:p>
             <a:r>
-              <a:rPr lang="en-US" dirty="0" smtClean="0"/>
+              <a:rPr lang="en-US" dirty="0"/>
               <a:t>String object cannot be changed</a:t>
             </a:r>
-            <a:endParaRPr lang="en-US" dirty="0"/>
           </a:p>
         </p:txBody>
       </p:sp>
@@ -6962,13 +6887,6 @@
   <p:clrMapOvr>
     <a:masterClrMapping/>
   </p:clrMapOvr>
-  <p:timing>
-    <p:tnLst>
-      <p:par>
-        <p:cTn id="1" dur="indefinite" restart="never" nodeType="tmRoot"/>
-      </p:par>
-    </p:tnLst>
-  </p:timing>
 </p:sld>
 </file>
 
@@ -7044,11 +6962,11 @@
           <a:lstStyle/>
           <a:p>
             <a:r>
-              <a:rPr lang="en-US" dirty="0" smtClean="0"/>
+              <a:rPr lang="en-US" dirty="0"/>
               <a:t>Java strings are </a:t>
             </a:r>
             <a:r>
-              <a:rPr lang="en-US" dirty="0" smtClean="0">
+              <a:rPr lang="en-US" dirty="0">
                 <a:solidFill>
                   <a:srgbClr val="FF0000"/>
                 </a:solidFill>
@@ -7056,22 +6974,21 @@
               <a:t>immutable</a:t>
             </a:r>
             <a:r>
-              <a:rPr lang="en-US" dirty="0" smtClean="0"/>
+              <a:rPr lang="en-US" dirty="0"/>
               <a:t>…</a:t>
             </a:r>
           </a:p>
           <a:p>
             <a:r>
-              <a:rPr lang="en-US" dirty="0" smtClean="0"/>
+              <a:rPr lang="en-US" dirty="0"/>
               <a:t>Once you have a reference to a String, the reference can change, but the </a:t>
             </a:r>
           </a:p>
           <a:p>
             <a:r>
-              <a:rPr lang="en-US" dirty="0" smtClean="0"/>
+              <a:rPr lang="en-US" dirty="0"/>
               <a:t>String object cannot be changed</a:t>
             </a:r>
-            <a:endParaRPr lang="en-US" dirty="0"/>
           </a:p>
         </p:txBody>
       </p:sp>
@@ -7172,10 +7089,9 @@
           <a:lstStyle/>
           <a:p>
             <a:r>
-              <a:rPr lang="en-US" dirty="0" smtClean="0"/>
+              <a:rPr lang="en-US" dirty="0"/>
               <a:t>Hello</a:t>
             </a:r>
-            <a:endParaRPr lang="en-US" dirty="0"/>
           </a:p>
         </p:txBody>
       </p:sp>
@@ -7202,7 +7118,7 @@
           <a:lstStyle/>
           <a:p>
             <a:r>
-              <a:rPr lang="en-US" dirty="0" err="1" smtClean="0"/>
+              <a:rPr lang="en-US" dirty="0" err="1"/>
               <a:t>aString</a:t>
             </a:r>
             <a:endParaRPr lang="en-US" dirty="0"/>
@@ -7267,18 +7183,17 @@
           <a:lstStyle/>
           <a:p>
             <a:r>
-              <a:rPr lang="en-US" dirty="0" smtClean="0"/>
+              <a:rPr lang="en-US" dirty="0"/>
               <a:t>“</a:t>
             </a:r>
             <a:r>
-              <a:rPr lang="en-US" dirty="0" err="1" smtClean="0"/>
+              <a:rPr lang="en-US" dirty="0" err="1"/>
               <a:t>aString</a:t>
             </a:r>
             <a:r>
-              <a:rPr lang="en-US" dirty="0" smtClean="0"/>
+              <a:rPr lang="en-US" dirty="0"/>
               <a:t>” is a reference to memory that holds “Hello”</a:t>
             </a:r>
-            <a:endParaRPr lang="en-US" dirty="0"/>
           </a:p>
         </p:txBody>
       </p:sp>
@@ -7333,13 +7248,6 @@
   <p:clrMapOvr>
     <a:masterClrMapping/>
   </p:clrMapOvr>
-  <p:timing>
-    <p:tnLst>
-      <p:par>
-        <p:cTn id="1" dur="indefinite" restart="never" nodeType="tmRoot"/>
-      </p:par>
-    </p:tnLst>
-  </p:timing>
 </p:sld>
 </file>
 
@@ -7415,11 +7323,11 @@
           <a:lstStyle/>
           <a:p>
             <a:r>
-              <a:rPr lang="en-US" dirty="0" smtClean="0"/>
+              <a:rPr lang="en-US" dirty="0"/>
               <a:t>Java strings are </a:t>
             </a:r>
             <a:r>
-              <a:rPr lang="en-US" dirty="0" smtClean="0">
+              <a:rPr lang="en-US" dirty="0">
                 <a:solidFill>
                   <a:srgbClr val="FF0000"/>
                 </a:solidFill>
@@ -7427,22 +7335,21 @@
               <a:t>immutable</a:t>
             </a:r>
             <a:r>
-              <a:rPr lang="en-US" dirty="0" smtClean="0"/>
+              <a:rPr lang="en-US" dirty="0"/>
               <a:t>…</a:t>
             </a:r>
           </a:p>
           <a:p>
             <a:r>
-              <a:rPr lang="en-US" dirty="0" smtClean="0"/>
+              <a:rPr lang="en-US" dirty="0"/>
               <a:t>Once you have a reference to a String, the reference can change, but the </a:t>
             </a:r>
           </a:p>
           <a:p>
             <a:r>
-              <a:rPr lang="en-US" dirty="0" smtClean="0"/>
+              <a:rPr lang="en-US" dirty="0"/>
               <a:t>String object cannot be changed</a:t>
             </a:r>
-            <a:endParaRPr lang="en-US" dirty="0"/>
           </a:p>
         </p:txBody>
       </p:sp>
@@ -7510,10 +7417,9 @@
           <a:lstStyle/>
           <a:p>
             <a:r>
-              <a:rPr lang="en-US" dirty="0" smtClean="0"/>
+              <a:rPr lang="en-US" dirty="0"/>
               <a:t>Hello</a:t>
             </a:r>
-            <a:endParaRPr lang="en-US" dirty="0"/>
           </a:p>
         </p:txBody>
       </p:sp>
@@ -7540,7 +7446,7 @@
           <a:lstStyle/>
           <a:p>
             <a:r>
-              <a:rPr lang="en-US" dirty="0" err="1" smtClean="0"/>
+              <a:rPr lang="en-US" dirty="0" err="1"/>
               <a:t>aString</a:t>
             </a:r>
             <a:endParaRPr lang="en-US" dirty="0"/>
@@ -7603,26 +7509,25 @@
           <a:lstStyle/>
           <a:p>
             <a:r>
-              <a:rPr lang="en-US" dirty="0" smtClean="0"/>
+              <a:rPr lang="en-US" dirty="0"/>
               <a:t>“</a:t>
             </a:r>
             <a:r>
-              <a:rPr lang="en-US" dirty="0" err="1" smtClean="0"/>
+              <a:rPr lang="en-US" dirty="0" err="1"/>
               <a:t>aString</a:t>
             </a:r>
             <a:r>
-              <a:rPr lang="en-US" dirty="0" smtClean="0"/>
+              <a:rPr lang="en-US" dirty="0"/>
               <a:t>” is a reference to memory that holds “</a:t>
             </a:r>
             <a:r>
-              <a:rPr lang="en-US" dirty="0" err="1" smtClean="0"/>
+              <a:rPr lang="en-US" dirty="0" err="1"/>
               <a:t>SomeOtherString</a:t>
             </a:r>
             <a:r>
-              <a:rPr lang="en-US" dirty="0" smtClean="0"/>
+              <a:rPr lang="en-US" dirty="0"/>
               <a:t>”</a:t>
             </a:r>
-            <a:endParaRPr lang="en-US" dirty="0"/>
           </a:p>
         </p:txBody>
       </p:sp>
@@ -7690,7 +7595,7 @@
           <a:lstStyle/>
           <a:p>
             <a:r>
-              <a:rPr lang="en-US" dirty="0" err="1" smtClean="0"/>
+              <a:rPr lang="en-US" dirty="0" err="1"/>
               <a:t>SomeOtherString</a:t>
             </a:r>
             <a:endParaRPr lang="en-US" dirty="0"/>
@@ -7781,13 +7686,6 @@
   <p:clrMapOvr>
     <a:masterClrMapping/>
   </p:clrMapOvr>
-  <p:timing>
-    <p:tnLst>
-      <p:par>
-        <p:cTn id="1" dur="indefinite" restart="never" nodeType="tmRoot"/>
-      </p:par>
-    </p:tnLst>
-  </p:timing>
 </p:sld>
 </file>
 
@@ -7831,16 +7729,12 @@
           <a:lstStyle/>
           <a:p>
             <a:r>
-              <a:rPr lang="en-US" dirty="0" smtClean="0">
+              <a:rPr lang="en-US" dirty="0">
                 <a:latin typeface="Arial" pitchFamily="34" charset="0"/>
                 <a:cs typeface="Arial" pitchFamily="34" charset="0"/>
               </a:rPr>
               <a:t>Objects in Java each have their own separate copy of data</a:t>
             </a:r>
-            <a:endParaRPr lang="en-US" dirty="0">
-              <a:latin typeface="Arial" pitchFamily="34" charset="0"/>
-              <a:cs typeface="Arial" pitchFamily="34" charset="0"/>
-            </a:endParaRPr>
           </a:p>
         </p:txBody>
       </p:sp>
@@ -8002,10 +7896,9 @@
           <a:lstStyle/>
           <a:p>
             <a:r>
-              <a:rPr lang="en-US" dirty="0" smtClean="0"/>
+              <a:rPr lang="en-US" dirty="0"/>
               <a:t>circle1</a:t>
             </a:r>
-            <a:endParaRPr lang="en-US" dirty="0"/>
           </a:p>
         </p:txBody>
       </p:sp>
@@ -8032,10 +7925,9 @@
           <a:lstStyle/>
           <a:p>
             <a:r>
-              <a:rPr lang="en-US" dirty="0" smtClean="0"/>
+              <a:rPr lang="en-US" dirty="0"/>
               <a:t>radius=4</a:t>
             </a:r>
-            <a:endParaRPr lang="en-US" dirty="0"/>
           </a:p>
         </p:txBody>
       </p:sp>
@@ -8133,10 +8025,9 @@
           <a:lstStyle/>
           <a:p>
             <a:r>
-              <a:rPr lang="en-US" dirty="0" smtClean="0"/>
+              <a:rPr lang="en-US" dirty="0"/>
               <a:t>circle2</a:t>
             </a:r>
-            <a:endParaRPr lang="en-US" dirty="0"/>
           </a:p>
         </p:txBody>
       </p:sp>
@@ -8163,10 +8054,9 @@
           <a:lstStyle/>
           <a:p>
             <a:r>
-              <a:rPr lang="en-US" dirty="0" smtClean="0"/>
+              <a:rPr lang="en-US" dirty="0"/>
               <a:t>radius=5</a:t>
             </a:r>
-            <a:endParaRPr lang="en-US" dirty="0"/>
           </a:p>
         </p:txBody>
       </p:sp>
@@ -8193,11 +8083,11 @@
           <a:lstStyle/>
           <a:p>
             <a:r>
-              <a:rPr lang="en-US" dirty="0" smtClean="0"/>
+              <a:rPr lang="en-US" dirty="0"/>
               <a:t>By contrast a </a:t>
             </a:r>
             <a:r>
-              <a:rPr lang="en-US" dirty="0" smtClean="0">
+              <a:rPr lang="en-US" dirty="0">
                 <a:solidFill>
                   <a:srgbClr val="FF0000"/>
                 </a:solidFill>
@@ -8205,10 +8095,9 @@
               <a:t>static</a:t>
             </a:r>
             <a:r>
-              <a:rPr lang="en-US" dirty="0" smtClean="0"/>
+              <a:rPr lang="en-US" dirty="0"/>
               <a:t> variable is associated with the class not with objects of a class…</a:t>
             </a:r>
-            <a:endParaRPr lang="en-US" dirty="0"/>
           </a:p>
         </p:txBody>
       </p:sp>
@@ -8217,13 +8106,6 @@
   <p:clrMapOvr>
     <a:masterClrMapping/>
   </p:clrMapOvr>
-  <p:timing>
-    <p:tnLst>
-      <p:par>
-        <p:cTn id="1" dur="indefinite" restart="never" nodeType="tmRoot"/>
-      </p:par>
-    </p:tnLst>
-  </p:timing>
 </p:sld>
 </file>
 
@@ -8299,11 +8181,11 @@
           <a:lstStyle/>
           <a:p>
             <a:r>
-              <a:rPr lang="en-US" dirty="0" smtClean="0"/>
+              <a:rPr lang="en-US" dirty="0"/>
               <a:t>Java strings are </a:t>
             </a:r>
             <a:r>
-              <a:rPr lang="en-US" dirty="0" smtClean="0">
+              <a:rPr lang="en-US" dirty="0">
                 <a:solidFill>
                   <a:srgbClr val="FF0000"/>
                 </a:solidFill>
@@ -8311,22 +8193,21 @@
               <a:t>immutable</a:t>
             </a:r>
             <a:r>
-              <a:rPr lang="en-US" dirty="0" smtClean="0"/>
+              <a:rPr lang="en-US" dirty="0"/>
               <a:t>…</a:t>
             </a:r>
           </a:p>
           <a:p>
             <a:r>
-              <a:rPr lang="en-US" dirty="0" smtClean="0"/>
+              <a:rPr lang="en-US" dirty="0"/>
               <a:t>Once you have a reference to a String, the reference can change, but the </a:t>
             </a:r>
           </a:p>
           <a:p>
             <a:r>
-              <a:rPr lang="en-US" dirty="0" smtClean="0"/>
+              <a:rPr lang="en-US" dirty="0"/>
               <a:t>String object cannot be changed</a:t>
             </a:r>
-            <a:endParaRPr lang="en-US" dirty="0"/>
           </a:p>
         </p:txBody>
       </p:sp>
@@ -8394,10 +8275,9 @@
           <a:lstStyle/>
           <a:p>
             <a:r>
-              <a:rPr lang="en-US" dirty="0" smtClean="0"/>
+              <a:rPr lang="en-US" dirty="0"/>
               <a:t>Hello</a:t>
             </a:r>
-            <a:endParaRPr lang="en-US" dirty="0"/>
           </a:p>
         </p:txBody>
       </p:sp>
@@ -8424,7 +8304,7 @@
           <a:lstStyle/>
           <a:p>
             <a:r>
-              <a:rPr lang="en-US" dirty="0" err="1" smtClean="0"/>
+              <a:rPr lang="en-US" dirty="0" err="1"/>
               <a:t>aString</a:t>
             </a:r>
             <a:endParaRPr lang="en-US" dirty="0"/>
@@ -8487,32 +8367,31 @@
           <a:lstStyle/>
           <a:p>
             <a:r>
-              <a:rPr lang="en-US" dirty="0" smtClean="0"/>
+              <a:rPr lang="en-US" dirty="0"/>
               <a:t>“</a:t>
             </a:r>
             <a:r>
-              <a:rPr lang="en-US" dirty="0" err="1" smtClean="0"/>
+              <a:rPr lang="en-US" dirty="0" err="1"/>
               <a:t>aString</a:t>
             </a:r>
             <a:r>
-              <a:rPr lang="en-US" dirty="0" smtClean="0"/>
+              <a:rPr lang="en-US" dirty="0"/>
               <a:t>” is a reference to memory that holds “</a:t>
             </a:r>
             <a:r>
-              <a:rPr lang="en-US" dirty="0" err="1" smtClean="0"/>
+              <a:rPr lang="en-US" dirty="0" err="1"/>
               <a:t>SomeOtherString</a:t>
             </a:r>
             <a:r>
-              <a:rPr lang="en-US" dirty="0" smtClean="0"/>
+              <a:rPr lang="en-US" dirty="0"/>
               <a:t>”</a:t>
             </a:r>
           </a:p>
           <a:p>
             <a:r>
-              <a:rPr lang="en-US" dirty="0" smtClean="0"/>
+              <a:rPr lang="en-US" dirty="0"/>
               <a:t>“Hello” gets is no longer referenced and is marked for garbage collection</a:t>
             </a:r>
-            <a:endParaRPr lang="en-US" dirty="0"/>
           </a:p>
         </p:txBody>
       </p:sp>
@@ -8580,7 +8459,7 @@
           <a:lstStyle/>
           <a:p>
             <a:r>
-              <a:rPr lang="en-US" dirty="0" err="1" smtClean="0"/>
+              <a:rPr lang="en-US" dirty="0" err="1"/>
               <a:t>SomeOtherString</a:t>
             </a:r>
             <a:endParaRPr lang="en-US" dirty="0"/>
@@ -8741,13 +8620,6 @@
   <p:clrMapOvr>
     <a:masterClrMapping/>
   </p:clrMapOvr>
-  <p:timing>
-    <p:tnLst>
-      <p:par>
-        <p:cTn id="1" dur="indefinite" restart="never" nodeType="tmRoot"/>
-      </p:par>
-    </p:tnLst>
-  </p:timing>
 </p:sld>
 </file>
 
@@ -8791,10 +8663,9 @@
           <a:lstStyle/>
           <a:p>
             <a:r>
-              <a:rPr lang="en-US" dirty="0" smtClean="0"/>
+              <a:rPr lang="en-US" dirty="0"/>
               <a:t>The immutability of strings has profound consequences for performance</a:t>
             </a:r>
-            <a:endParaRPr lang="en-US" dirty="0"/>
           </a:p>
         </p:txBody>
       </p:sp>
@@ -8885,16 +8756,15 @@
           <a:lstStyle/>
           <a:p>
             <a:r>
-              <a:rPr lang="en-US" dirty="0" smtClean="0"/>
+              <a:rPr lang="en-US" dirty="0"/>
               <a:t>In this case, each  time we append a number to our string, a new </a:t>
             </a:r>
           </a:p>
           <a:p>
             <a:r>
-              <a:rPr lang="en-US" dirty="0" smtClean="0"/>
+              <a:rPr lang="en-US" dirty="0"/>
               <a:t>String is created in memory (and the old ones get marked for garbage collection).</a:t>
             </a:r>
-            <a:endParaRPr lang="en-US" dirty="0"/>
           </a:p>
         </p:txBody>
       </p:sp>
@@ -8936,13 +8806,6 @@
   <p:clrMapOvr>
     <a:masterClrMapping/>
   </p:clrMapOvr>
-  <p:timing>
-    <p:tnLst>
-      <p:par>
-        <p:cTn id="1" dur="indefinite" restart="never" nodeType="tmRoot"/>
-      </p:par>
-    </p:tnLst>
-  </p:timing>
 </p:sld>
 </file>
 
@@ -9050,34 +8913,33 @@
           <a:lstStyle/>
           <a:p>
             <a:r>
-              <a:rPr lang="en-US" dirty="0" smtClean="0"/>
+              <a:rPr lang="en-US" dirty="0"/>
               <a:t>An alternative is here 20 times faster….</a:t>
             </a:r>
           </a:p>
           <a:p>
             <a:r>
-              <a:rPr lang="en-US" dirty="0" smtClean="0"/>
+              <a:rPr lang="en-US" dirty="0"/>
               <a:t>We use </a:t>
             </a:r>
             <a:r>
-              <a:rPr lang="en-US" dirty="0" err="1" smtClean="0"/>
+              <a:rPr lang="en-US" dirty="0" err="1"/>
               <a:t>StringBuffer</a:t>
             </a:r>
             <a:r>
-              <a:rPr lang="en-US" dirty="0" smtClean="0"/>
+              <a:rPr lang="en-US" dirty="0"/>
               <a:t> instead of String..</a:t>
             </a:r>
           </a:p>
           <a:p>
             <a:r>
-              <a:rPr lang="en-US" dirty="0" err="1" smtClean="0"/>
+              <a:rPr lang="en-US" dirty="0" err="1"/>
               <a:t>StringBuffer</a:t>
             </a:r>
             <a:r>
-              <a:rPr lang="en-US" dirty="0" smtClean="0"/>
+              <a:rPr lang="en-US" dirty="0"/>
               <a:t> is a mutable version of  String</a:t>
             </a:r>
-            <a:endParaRPr lang="en-US" dirty="0"/>
           </a:p>
         </p:txBody>
       </p:sp>
@@ -9086,13 +8948,6 @@
   <p:clrMapOvr>
     <a:masterClrMapping/>
   </p:clrMapOvr>
-  <p:timing>
-    <p:tnLst>
-      <p:par>
-        <p:cTn id="1" dur="indefinite" restart="never" nodeType="tmRoot"/>
-      </p:par>
-    </p:tnLst>
-  </p:timing>
 </p:sld>
 </file>
 
@@ -9168,34 +9023,33 @@
           <a:lstStyle/>
           <a:p>
             <a:r>
-              <a:rPr lang="en-US" dirty="0" smtClean="0"/>
+              <a:rPr lang="en-US" dirty="0"/>
               <a:t>The </a:t>
             </a:r>
             <a:r>
-              <a:rPr lang="en-US" dirty="0" err="1" smtClean="0"/>
+              <a:rPr lang="en-US" dirty="0" err="1"/>
               <a:t>JavaDocs</a:t>
             </a:r>
             <a:r>
-              <a:rPr lang="en-US" dirty="0" smtClean="0"/>
+              <a:rPr lang="en-US" dirty="0"/>
               <a:t> for </a:t>
             </a:r>
             <a:r>
-              <a:rPr lang="en-US" dirty="0" err="1" smtClean="0"/>
+              <a:rPr lang="en-US" dirty="0" err="1"/>
               <a:t>StringBuffer</a:t>
             </a:r>
             <a:r>
-              <a:rPr lang="en-US" dirty="0" smtClean="0"/>
+              <a:rPr lang="en-US" dirty="0"/>
               <a:t> tells us that </a:t>
             </a:r>
             <a:r>
-              <a:rPr lang="en-US" dirty="0" err="1" smtClean="0"/>
+              <a:rPr lang="en-US" dirty="0" err="1"/>
               <a:t>StringBuffer</a:t>
             </a:r>
             <a:r>
-              <a:rPr lang="en-US" dirty="0" smtClean="0"/>
+              <a:rPr lang="en-US" dirty="0"/>
               <a:t> is a mutable string</a:t>
             </a:r>
-            <a:endParaRPr lang="en-US" dirty="0"/>
           </a:p>
         </p:txBody>
       </p:sp>
@@ -9204,13 +9058,6 @@
   <p:clrMapOvr>
     <a:masterClrMapping/>
   </p:clrMapOvr>
-  <p:timing>
-    <p:tnLst>
-      <p:par>
-        <p:cTn id="1" dur="indefinite" restart="never" nodeType="tmRoot"/>
-      </p:par>
-    </p:tnLst>
-  </p:timing>
 </p:sld>
 </file>
 
@@ -9287,47 +9134,47 @@
           <a:lstStyle/>
           <a:p>
             <a:r>
-              <a:rPr lang="en-US" dirty="0" smtClean="0">
+              <a:rPr lang="en-US" dirty="0">
                 <a:latin typeface="Arial" pitchFamily="34" charset="0"/>
                 <a:cs typeface="Arial" pitchFamily="34" charset="0"/>
               </a:rPr>
               <a:t>Notice Bloch prefers </a:t>
             </a:r>
             <a:r>
-              <a:rPr lang="en-US" dirty="0" err="1" smtClean="0">
+              <a:rPr lang="en-US" dirty="0" err="1">
                 <a:latin typeface="Arial" pitchFamily="34" charset="0"/>
                 <a:cs typeface="Arial" pitchFamily="34" charset="0"/>
               </a:rPr>
               <a:t>StringBuilder</a:t>
             </a:r>
             <a:r>
-              <a:rPr lang="en-US" dirty="0" smtClean="0">
+              <a:rPr lang="en-US" dirty="0">
                 <a:latin typeface="Arial" pitchFamily="34" charset="0"/>
                 <a:cs typeface="Arial" pitchFamily="34" charset="0"/>
               </a:rPr>
               <a:t> (as of Java 1.5) to </a:t>
             </a:r>
             <a:r>
-              <a:rPr lang="en-US" dirty="0" err="1" smtClean="0">
+              <a:rPr lang="en-US" dirty="0" err="1">
                 <a:latin typeface="Arial" pitchFamily="34" charset="0"/>
                 <a:cs typeface="Arial" pitchFamily="34" charset="0"/>
               </a:rPr>
               <a:t>StringBuffer</a:t>
             </a:r>
-            <a:endParaRPr lang="en-US" dirty="0" smtClean="0">
+            <a:endParaRPr lang="en-US" dirty="0">
               <a:latin typeface="Arial" pitchFamily="34" charset="0"/>
               <a:cs typeface="Arial" pitchFamily="34" charset="0"/>
             </a:endParaRPr>
           </a:p>
           <a:p>
-            <a:endParaRPr lang="en-US" dirty="0" smtClean="0">
+            <a:endParaRPr lang="en-US" dirty="0">
               <a:latin typeface="Arial" pitchFamily="34" charset="0"/>
               <a:cs typeface="Arial" pitchFamily="34" charset="0"/>
             </a:endParaRPr>
           </a:p>
           <a:p>
             <a:r>
-              <a:rPr lang="en-US" dirty="0" smtClean="0">
+              <a:rPr lang="en-US" dirty="0">
                 <a:latin typeface="Arial" pitchFamily="34" charset="0"/>
                 <a:cs typeface="Arial" pitchFamily="34" charset="0"/>
               </a:rPr>
@@ -9336,16 +9183,12 @@
           </a:p>
           <a:p>
             <a:r>
-              <a:rPr lang="en-US" dirty="0" smtClean="0">
+              <a:rPr lang="en-US" dirty="0">
                 <a:latin typeface="Arial" pitchFamily="34" charset="0"/>
                 <a:cs typeface="Arial" pitchFamily="34" charset="0"/>
               </a:rPr>
               <a:t>there are many immutable data structures</a:t>
             </a:r>
-            <a:endParaRPr lang="en-US" dirty="0">
-              <a:latin typeface="Arial" pitchFamily="34" charset="0"/>
-              <a:cs typeface="Arial" pitchFamily="34" charset="0"/>
-            </a:endParaRPr>
           </a:p>
         </p:txBody>
       </p:sp>
@@ -9354,13 +9197,6 @@
   <p:clrMapOvr>
     <a:masterClrMapping/>
   </p:clrMapOvr>
-  <p:timing>
-    <p:tnLst>
-      <p:par>
-        <p:cTn id="1" dur="indefinite" restart="never" nodeType="tmRoot"/>
-      </p:par>
-    </p:tnLst>
-  </p:timing>
 </p:sld>
 </file>
 
@@ -9403,7 +9239,7 @@
           <a:lstStyle/>
           <a:p>
             <a:r>
-              <a:rPr lang="en-US" sz="2000" dirty="0" smtClean="0">
+              <a:rPr lang="en-US" sz="2000" dirty="0">
                 <a:latin typeface="Arial" pitchFamily="34" charset="0"/>
                 <a:cs typeface="Arial" pitchFamily="34" charset="0"/>
               </a:rPr>
@@ -9412,21 +9248,21 @@
           </a:p>
           <a:p>
             <a:r>
-              <a:rPr lang="en-US" sz="2000" dirty="0" smtClean="0">
+              <a:rPr lang="en-US" sz="2000" dirty="0">
                 <a:latin typeface="Arial" pitchFamily="34" charset="0"/>
                 <a:cs typeface="Arial" pitchFamily="34" charset="0"/>
               </a:rPr>
               <a:t>String, </a:t>
             </a:r>
             <a:r>
-              <a:rPr lang="en-US" sz="2000" dirty="0" err="1" smtClean="0">
+              <a:rPr lang="en-US" sz="2000" dirty="0" err="1">
                 <a:latin typeface="Arial" pitchFamily="34" charset="0"/>
                 <a:cs typeface="Arial" pitchFamily="34" charset="0"/>
               </a:rPr>
               <a:t>StringBuffer</a:t>
             </a:r>
             <a:r>
-              <a:rPr lang="en-US" sz="2000" dirty="0" smtClean="0">
+              <a:rPr lang="en-US" sz="2000" dirty="0">
                 <a:latin typeface="Arial" pitchFamily="34" charset="0"/>
                 <a:cs typeface="Arial" pitchFamily="34" charset="0"/>
               </a:rPr>
@@ -9435,28 +9271,28 @@
           </a:p>
           <a:p>
             <a:r>
-              <a:rPr lang="en-US" sz="2000" dirty="0" err="1" smtClean="0">
+              <a:rPr lang="en-US" sz="2000" dirty="0" err="1">
                 <a:latin typeface="Arial" pitchFamily="34" charset="0"/>
                 <a:cs typeface="Arial" pitchFamily="34" charset="0"/>
               </a:rPr>
               <a:t>BufferedReader</a:t>
             </a:r>
             <a:r>
-              <a:rPr lang="en-US" sz="2000" dirty="0" smtClean="0">
+              <a:rPr lang="en-US" sz="2000" dirty="0">
                 <a:latin typeface="Arial" pitchFamily="34" charset="0"/>
                 <a:cs typeface="Arial" pitchFamily="34" charset="0"/>
               </a:rPr>
               <a:t>, </a:t>
             </a:r>
             <a:r>
-              <a:rPr lang="en-US" sz="2000" dirty="0" err="1" smtClean="0">
+              <a:rPr lang="en-US" sz="2000" dirty="0" err="1">
                 <a:latin typeface="Arial" pitchFamily="34" charset="0"/>
                 <a:cs typeface="Arial" pitchFamily="34" charset="0"/>
               </a:rPr>
               <a:t>FileReader</a:t>
             </a:r>
             <a:r>
-              <a:rPr lang="en-US" sz="2000" dirty="0" smtClean="0">
+              <a:rPr lang="en-US" sz="2000" dirty="0">
                 <a:latin typeface="Arial" pitchFamily="34" charset="0"/>
                 <a:cs typeface="Arial" pitchFamily="34" charset="0"/>
               </a:rPr>
@@ -9465,7 +9301,7 @@
           </a:p>
           <a:p>
             <a:r>
-              <a:rPr lang="en-US" sz="2000" dirty="0" smtClean="0">
+              <a:rPr lang="en-US" sz="2000" dirty="0">
                 <a:latin typeface="Arial" pitchFamily="34" charset="0"/>
                 <a:cs typeface="Arial" pitchFamily="34" charset="0"/>
               </a:rPr>
@@ -9474,16 +9310,12 @@
           </a:p>
           <a:p>
             <a:r>
-              <a:rPr lang="en-US" sz="2000" dirty="0" smtClean="0">
+              <a:rPr lang="en-US" sz="2000" dirty="0">
                 <a:latin typeface="Arial" pitchFamily="34" charset="0"/>
                 <a:cs typeface="Arial" pitchFamily="34" charset="0"/>
               </a:rPr>
               <a:t>From Arrays to Lists</a:t>
             </a:r>
-            <a:endParaRPr lang="en-US" sz="2000" dirty="0">
-              <a:latin typeface="Arial" pitchFamily="34" charset="0"/>
-              <a:cs typeface="Arial" pitchFamily="34" charset="0"/>
-            </a:endParaRPr>
           </a:p>
         </p:txBody>
       </p:sp>
@@ -9525,13 +9357,6 @@
   <p:clrMapOvr>
     <a:masterClrMapping/>
   </p:clrMapOvr>
-  <p:timing>
-    <p:tnLst>
-      <p:par>
-        <p:cTn id="1" dur="indefinite" restart="never" nodeType="tmRoot"/>
-      </p:par>
-    </p:tnLst>
-  </p:timing>
 </p:sld>
 </file>
 
@@ -9639,27 +9464,27 @@
           <a:lstStyle/>
           <a:p>
             <a:r>
-              <a:rPr lang="en-US" dirty="0" smtClean="0"/>
+              <a:rPr lang="en-US" dirty="0"/>
               <a:t>An upcoming lab will be the dreaded </a:t>
             </a:r>
             <a:r>
-              <a:rPr lang="en-US" dirty="0" err="1" smtClean="0"/>
+              <a:rPr lang="en-US" dirty="0" err="1"/>
               <a:t>FastaSequence</a:t>
             </a:r>
             <a:r>
-              <a:rPr lang="en-US" dirty="0" smtClean="0"/>
+              <a:rPr lang="en-US" dirty="0"/>
               <a:t> parser…</a:t>
             </a:r>
           </a:p>
           <a:p>
             <a:r>
-              <a:rPr lang="en-US" dirty="0" smtClean="0"/>
+              <a:rPr lang="en-US" dirty="0"/>
               <a:t>We need to manipulate text files..</a:t>
             </a:r>
           </a:p>
           <a:p>
             <a:r>
-              <a:rPr lang="en-US" dirty="0" smtClean="0"/>
+              <a:rPr lang="en-US" dirty="0"/>
               <a:t>Java provides many reader and writer classes to help us…</a:t>
             </a:r>
           </a:p>
@@ -9670,13 +9495,6 @@
   <p:clrMapOvr>
     <a:masterClrMapping/>
   </p:clrMapOvr>
-  <p:timing>
-    <p:tnLst>
-      <p:par>
-        <p:cTn id="1" dur="indefinite" restart="never" nodeType="tmRoot"/>
-      </p:par>
-    </p:tnLst>
-  </p:timing>
 </p:sld>
 </file>
 
@@ -9752,18 +9570,17 @@
           <a:lstStyle/>
           <a:p>
             <a:r>
-              <a:rPr lang="en-US" dirty="0" smtClean="0"/>
+              <a:rPr lang="en-US" dirty="0"/>
               <a:t>The methods for </a:t>
             </a:r>
             <a:r>
-              <a:rPr lang="en-US" dirty="0" err="1" smtClean="0"/>
+              <a:rPr lang="en-US" dirty="0" err="1"/>
               <a:t>BufferedReader</a:t>
             </a:r>
             <a:r>
-              <a:rPr lang="en-US" dirty="0" smtClean="0"/>
+              <a:rPr lang="en-US" dirty="0"/>
               <a:t>…</a:t>
             </a:r>
-            <a:endParaRPr lang="en-US" dirty="0"/>
           </a:p>
         </p:txBody>
       </p:sp>
@@ -9790,22 +9607,21 @@
           <a:lstStyle/>
           <a:p>
             <a:r>
-              <a:rPr lang="en-US" dirty="0" err="1" smtClean="0"/>
+              <a:rPr lang="en-US" dirty="0" err="1"/>
               <a:t>BufferedReader</a:t>
             </a:r>
             <a:r>
-              <a:rPr lang="en-US" dirty="0" smtClean="0"/>
+              <a:rPr lang="en-US" dirty="0"/>
               <a:t> is constructed from a </a:t>
             </a:r>
             <a:r>
-              <a:rPr lang="en-US" dirty="0" err="1" smtClean="0"/>
+              <a:rPr lang="en-US" dirty="0" err="1"/>
               <a:t>FileReader</a:t>
             </a:r>
             <a:r>
-              <a:rPr lang="en-US" dirty="0" smtClean="0"/>
+              <a:rPr lang="en-US" dirty="0"/>
               <a:t> which is constructed from a File</a:t>
             </a:r>
-            <a:endParaRPr lang="en-US" dirty="0"/>
           </a:p>
         </p:txBody>
       </p:sp>
@@ -9814,13 +9630,6 @@
   <p:clrMapOvr>
     <a:masterClrMapping/>
   </p:clrMapOvr>
-  <p:timing>
-    <p:tnLst>
-      <p:par>
-        <p:cTn id="1" dur="indefinite" restart="never" nodeType="tmRoot"/>
-      </p:par>
-    </p:tnLst>
-  </p:timing>
 </p:sld>
 </file>
 
@@ -9878,13 +9687,6 @@
   <p:clrMapOvr>
     <a:masterClrMapping/>
   </p:clrMapOvr>
-  <p:timing>
-    <p:tnLst>
-      <p:par>
-        <p:cTn id="1" dur="indefinite" restart="never" nodeType="tmRoot"/>
-      </p:par>
-    </p:tnLst>
-  </p:timing>
 </p:sld>
 </file>
 
@@ -9942,13 +9744,6 @@
   <p:clrMapOvr>
     <a:masterClrMapping/>
   </p:clrMapOvr>
-  <p:timing>
-    <p:tnLst>
-      <p:par>
-        <p:cTn id="1" dur="indefinite" restart="never" nodeType="tmRoot"/>
-      </p:par>
-    </p:tnLst>
-  </p:timing>
 </p:sld>
 </file>
 
@@ -10021,9 +9816,82 @@
         </p:xfrm>
         <a:graphic>
           <a:graphicData uri="http://schemas.openxmlformats.org/presentationml/2006/ole">
-            <p:oleObj spid="_x0000_s1026" name="Bitmap Image" r:id="rId4" imgW="7287642" imgH="4590476" progId="PBrush">
-              <p:embed/>
-            </p:oleObj>
+            <mc:AlternateContent xmlns:mc="http://schemas.openxmlformats.org/markup-compatibility/2006">
+              <mc:Choice xmlns:v="urn:schemas-microsoft-com:vml" Requires="v">
+                <p:oleObj spid="_x0000_s1027" name="Bitmap Image" r:id="rId4" imgW="7287642" imgH="4590476" progId="PBrush">
+                  <p:embed/>
+                </p:oleObj>
+              </mc:Choice>
+              <mc:Fallback>
+                <p:oleObj name="Bitmap Image" r:id="rId4" imgW="7287642" imgH="4590476" progId="PBrush">
+                  <p:embed/>
+                  <p:pic>
+                    <p:nvPicPr>
+                      <p:cNvPr id="0" name="Picture 2"/>
+                      <p:cNvPicPr>
+                        <a:picLocks noChangeAspect="1" noChangeArrowheads="1"/>
+                      </p:cNvPicPr>
+                      <p:nvPr/>
+                    </p:nvPicPr>
+                    <p:blipFill>
+                      <a:blip r:embed="rId5">
+                        <a:extLst>
+                          <a:ext uri="{28A0092B-C50C-407E-A947-70E740481C1C}">
+                            <a14:useLocalDpi xmlns:a14="http://schemas.microsoft.com/office/drawing/2010/main" val="0"/>
+                          </a:ext>
+                        </a:extLst>
+                      </a:blip>
+                      <a:srcRect/>
+                      <a:stretch>
+                        <a:fillRect/>
+                      </a:stretch>
+                    </p:blipFill>
+                    <p:spPr bwMode="auto">
+                      <a:xfrm>
+                        <a:off x="76200" y="555625"/>
+                        <a:ext cx="8915400" cy="5616575"/>
+                      </a:xfrm>
+                      <a:prstGeom prst="rect">
+                        <a:avLst/>
+                      </a:prstGeom>
+                      <a:noFill/>
+                      <a:ln>
+                        <a:noFill/>
+                      </a:ln>
+                      <a:effectLst/>
+                      <a:extLst>
+                        <a:ext uri="{909E8E84-426E-40DD-AFC4-6F175D3DCCD1}">
+                          <a14:hiddenFill xmlns:a14="http://schemas.microsoft.com/office/drawing/2010/main">
+                            <a:solidFill>
+                              <a:schemeClr val="accent1"/>
+                            </a:solidFill>
+                          </a14:hiddenFill>
+                        </a:ext>
+                        <a:ext uri="{91240B29-F687-4F45-9708-019B960494DF}">
+                          <a14:hiddenLine xmlns:a14="http://schemas.microsoft.com/office/drawing/2010/main" w="9525">
+                            <a:solidFill>
+                              <a:schemeClr val="tx1"/>
+                            </a:solidFill>
+                            <a:miter lim="800000"/>
+                            <a:headEnd/>
+                            <a:tailEnd/>
+                          </a14:hiddenLine>
+                        </a:ext>
+                        <a:ext uri="{AF507438-7753-43E0-B8FC-AC1667EBCBE1}">
+                          <a14:hiddenEffects xmlns:a14="http://schemas.microsoft.com/office/drawing/2010/main">
+                            <a:effectLst>
+                              <a:outerShdw dist="35921" dir="2700000" algn="ctr" rotWithShape="0">
+                                <a:schemeClr val="bg2"/>
+                              </a:outerShdw>
+                            </a:effectLst>
+                          </a14:hiddenEffects>
+                        </a:ext>
+                      </a:extLst>
+                    </p:spPr>
+                  </p:pic>
+                </p:oleObj>
+              </mc:Fallback>
+            </mc:AlternateContent>
           </a:graphicData>
         </a:graphic>
       </p:graphicFrame>
@@ -10050,7 +9918,7 @@
           <a:lstStyle/>
           <a:p>
             <a:r>
-              <a:rPr lang="en-US" dirty="0" smtClean="0">
+              <a:rPr lang="en-US" dirty="0">
                 <a:latin typeface="Arial" pitchFamily="34" charset="0"/>
                 <a:cs typeface="Arial" pitchFamily="34" charset="0"/>
               </a:rPr>
@@ -10059,16 +9927,12 @@
           </a:p>
           <a:p>
             <a:r>
-              <a:rPr lang="en-US" dirty="0" smtClean="0">
+              <a:rPr lang="en-US" dirty="0">
                 <a:latin typeface="Arial" pitchFamily="34" charset="0"/>
                 <a:cs typeface="Arial" pitchFamily="34" charset="0"/>
               </a:rPr>
               <a:t>static variables are associated with the class itself - </a:t>
             </a:r>
-            <a:endParaRPr lang="en-US" dirty="0">
-              <a:latin typeface="Arial" pitchFamily="34" charset="0"/>
-              <a:cs typeface="Arial" pitchFamily="34" charset="0"/>
-            </a:endParaRPr>
           </a:p>
         </p:txBody>
       </p:sp>
@@ -10077,13 +9941,6 @@
   <p:clrMapOvr>
     <a:masterClrMapping/>
   </p:clrMapOvr>
-  <p:timing>
-    <p:tnLst>
-      <p:par>
-        <p:cTn id="1" dur="indefinite" restart="never" nodeType="tmRoot"/>
-      </p:par>
-    </p:tnLst>
-  </p:timing>
 </p:sld>
 </file>
 
@@ -10258,28 +10115,27 @@
           <a:lstStyle/>
           <a:p>
             <a:r>
-              <a:rPr lang="en-US" dirty="0" smtClean="0"/>
+              <a:rPr lang="en-US" dirty="0"/>
               <a:t>We make a new File with a String argument and use that as an argument to the </a:t>
             </a:r>
           </a:p>
           <a:p>
             <a:r>
-              <a:rPr lang="en-US" dirty="0" err="1" smtClean="0"/>
+              <a:rPr lang="en-US" dirty="0" err="1"/>
               <a:t>FileReader</a:t>
             </a:r>
             <a:r>
-              <a:rPr lang="en-US" dirty="0" smtClean="0"/>
+              <a:rPr lang="en-US" dirty="0"/>
               <a:t> constructor which is used as an argument to the </a:t>
             </a:r>
             <a:r>
-              <a:rPr lang="en-US" dirty="0" err="1" smtClean="0"/>
+              <a:rPr lang="en-US" dirty="0" err="1"/>
               <a:t>BufferedReader</a:t>
             </a:r>
             <a:r>
-              <a:rPr lang="en-US" dirty="0" smtClean="0"/>
+              <a:rPr lang="en-US" dirty="0"/>
               <a:t> constructor</a:t>
             </a:r>
-            <a:endParaRPr lang="en-US" dirty="0"/>
           </a:p>
         </p:txBody>
       </p:sp>
@@ -10339,18 +10195,17 @@
           <a:lstStyle/>
           <a:p>
             <a:r>
-              <a:rPr lang="en-US" dirty="0" smtClean="0"/>
+              <a:rPr lang="en-US" dirty="0"/>
               <a:t>Forgot to close the reader!  </a:t>
             </a:r>
             <a:r>
-              <a:rPr lang="en-US" dirty="0" err="1" smtClean="0"/>
+              <a:rPr lang="en-US" dirty="0" err="1"/>
               <a:t>reader.close</a:t>
             </a:r>
             <a:r>
-              <a:rPr lang="en-US" dirty="0" smtClean="0"/>
+              <a:rPr lang="en-US" dirty="0"/>
               <a:t>() here is good form</a:t>
             </a:r>
-            <a:endParaRPr lang="en-US" dirty="0"/>
           </a:p>
         </p:txBody>
       </p:sp>
@@ -10410,33 +10265,32 @@
           <a:lstStyle/>
           <a:p>
             <a:r>
-              <a:rPr lang="en-US" dirty="0" err="1" smtClean="0"/>
+              <a:rPr lang="en-US" dirty="0" err="1"/>
               <a:t>readLine</a:t>
             </a:r>
             <a:r>
-              <a:rPr lang="en-US" dirty="0" smtClean="0"/>
+              <a:rPr lang="en-US" dirty="0"/>
               <a:t>() is a method in the </a:t>
             </a:r>
             <a:r>
-              <a:rPr lang="en-US" dirty="0" err="1" smtClean="0"/>
+              <a:rPr lang="en-US" dirty="0" err="1"/>
               <a:t>BufferedReader</a:t>
             </a:r>
             <a:r>
-              <a:rPr lang="en-US" dirty="0" smtClean="0"/>
+              <a:rPr lang="en-US" dirty="0"/>
               <a:t> that returns a String that represents the </a:t>
             </a:r>
             <a:r>
-              <a:rPr lang="en-US" dirty="0" err="1" smtClean="0"/>
+              <a:rPr lang="en-US" dirty="0" err="1"/>
               <a:t>nextLine</a:t>
             </a:r>
-            <a:endParaRPr lang="en-US" dirty="0" smtClean="0"/>
-          </a:p>
-          <a:p>
-            <a:r>
-              <a:rPr lang="en-US" dirty="0" smtClean="0"/>
+            <a:endParaRPr lang="en-US" dirty="0"/>
+          </a:p>
+          <a:p>
+            <a:r>
+              <a:rPr lang="en-US" dirty="0"/>
               <a:t>(or null if the end of the file has been reached)..</a:t>
             </a:r>
-            <a:endParaRPr lang="en-US" dirty="0"/>
           </a:p>
         </p:txBody>
       </p:sp>
@@ -10445,13 +10299,6 @@
   <p:clrMapOvr>
     <a:masterClrMapping/>
   </p:clrMapOvr>
-  <p:timing>
-    <p:tnLst>
-      <p:par>
-        <p:cTn id="1" dur="indefinite" restart="never" nodeType="tmRoot"/>
-      </p:par>
-    </p:tnLst>
-  </p:timing>
 </p:sld>
 </file>
 
@@ -10495,26 +10342,25 @@
           <a:lstStyle/>
           <a:p>
             <a:r>
-              <a:rPr lang="en-US" dirty="0" smtClean="0"/>
+              <a:rPr lang="en-US" dirty="0"/>
               <a:t>Likewise, to write a file, we have </a:t>
             </a:r>
             <a:r>
-              <a:rPr lang="en-US" dirty="0" err="1" smtClean="0"/>
+              <a:rPr lang="en-US" dirty="0" err="1"/>
               <a:t>BufferedWriter</a:t>
             </a:r>
             <a:r>
-              <a:rPr lang="en-US" dirty="0" smtClean="0"/>
+              <a:rPr lang="en-US" dirty="0"/>
               <a:t>, </a:t>
             </a:r>
             <a:r>
-              <a:rPr lang="en-US" dirty="0" err="1" smtClean="0"/>
+              <a:rPr lang="en-US" dirty="0" err="1"/>
               <a:t>FileWriter</a:t>
             </a:r>
             <a:r>
-              <a:rPr lang="en-US" dirty="0" smtClean="0"/>
+              <a:rPr lang="en-US" dirty="0"/>
               <a:t> and File</a:t>
             </a:r>
-            <a:endParaRPr lang="en-US" dirty="0"/>
           </a:p>
         </p:txBody>
       </p:sp>
@@ -10574,10 +10420,9 @@
           <a:lstStyle/>
           <a:p>
             <a:r>
-              <a:rPr lang="en-US" dirty="0" smtClean="0"/>
+              <a:rPr lang="en-US" dirty="0"/>
               <a:t>This example outputs 100 random numbers.</a:t>
             </a:r>
-            <a:endParaRPr lang="en-US" dirty="0"/>
           </a:p>
         </p:txBody>
       </p:sp>
@@ -10637,24 +10482,23 @@
           <a:lstStyle/>
           <a:p>
             <a:r>
-              <a:rPr lang="en-US" dirty="0" smtClean="0"/>
+              <a:rPr lang="en-US" dirty="0"/>
               <a:t>Note that it is your responsibility to call flush or the data file may not </a:t>
             </a:r>
           </a:p>
           <a:p>
             <a:r>
-              <a:rPr lang="en-US" dirty="0" smtClean="0"/>
-              <a:t>be completely output (this is a </a:t>
-            </a:r>
-            <a:r>
-              <a:rPr lang="en-US" dirty="0" err="1" smtClean="0"/>
-              <a:t>commom</a:t>
-            </a:r>
-            <a:r>
-              <a:rPr lang="en-US" dirty="0" smtClean="0"/>
-              <a:t> bug)</a:t>
-            </a:r>
-            <a:endParaRPr lang="en-US" dirty="0"/>
+              <a:rPr lang="en-US" dirty="0"/>
+              <a:t>be completely output (this is </a:t>
+            </a:r>
+            <a:r>
+              <a:rPr lang="en-US"/>
+              <a:t>a common </a:t>
+            </a:r>
+            <a:r>
+              <a:rPr lang="en-US" dirty="0"/>
+              <a:t>bug)</a:t>
+            </a:r>
           </a:p>
         </p:txBody>
       </p:sp>
@@ -10714,10 +10558,9 @@
           <a:lstStyle/>
           <a:p>
             <a:r>
-              <a:rPr lang="en-US" dirty="0" smtClean="0"/>
+              <a:rPr lang="en-US" dirty="0"/>
               <a:t>Note the double back slashes for windows</a:t>
             </a:r>
-            <a:endParaRPr lang="en-US" dirty="0"/>
           </a:p>
         </p:txBody>
       </p:sp>
@@ -10726,13 +10569,6 @@
   <p:clrMapOvr>
     <a:masterClrMapping/>
   </p:clrMapOvr>
-  <p:timing>
-    <p:tnLst>
-      <p:par>
-        <p:cTn id="1" dur="indefinite" restart="never" nodeType="tmRoot"/>
-      </p:par>
-    </p:tnLst>
-  </p:timing>
 </p:sld>
 </file>
 
@@ -10775,7 +10611,7 @@
           <a:lstStyle/>
           <a:p>
             <a:r>
-              <a:rPr lang="en-US" sz="2000" dirty="0" smtClean="0">
+              <a:rPr lang="en-US" sz="2000" dirty="0">
                 <a:latin typeface="Arial" pitchFamily="34" charset="0"/>
                 <a:cs typeface="Arial" pitchFamily="34" charset="0"/>
               </a:rPr>
@@ -10784,21 +10620,21 @@
           </a:p>
           <a:p>
             <a:r>
-              <a:rPr lang="en-US" sz="2000" dirty="0" smtClean="0">
+              <a:rPr lang="en-US" sz="2000" dirty="0">
                 <a:latin typeface="Arial" pitchFamily="34" charset="0"/>
                 <a:cs typeface="Arial" pitchFamily="34" charset="0"/>
               </a:rPr>
               <a:t>String, </a:t>
             </a:r>
             <a:r>
-              <a:rPr lang="en-US" sz="2000" dirty="0" err="1" smtClean="0">
+              <a:rPr lang="en-US" sz="2000" dirty="0" err="1">
                 <a:latin typeface="Arial" pitchFamily="34" charset="0"/>
                 <a:cs typeface="Arial" pitchFamily="34" charset="0"/>
               </a:rPr>
               <a:t>StringBuffer</a:t>
             </a:r>
             <a:r>
-              <a:rPr lang="en-US" sz="2000" dirty="0" smtClean="0">
+              <a:rPr lang="en-US" sz="2000" dirty="0">
                 <a:latin typeface="Arial" pitchFamily="34" charset="0"/>
                 <a:cs typeface="Arial" pitchFamily="34" charset="0"/>
               </a:rPr>
@@ -10807,28 +10643,28 @@
           </a:p>
           <a:p>
             <a:r>
-              <a:rPr lang="en-US" sz="2000" dirty="0" err="1" smtClean="0">
+              <a:rPr lang="en-US" sz="2000" dirty="0" err="1">
                 <a:latin typeface="Arial" pitchFamily="34" charset="0"/>
                 <a:cs typeface="Arial" pitchFamily="34" charset="0"/>
               </a:rPr>
               <a:t>BufferedReader</a:t>
             </a:r>
             <a:r>
-              <a:rPr lang="en-US" sz="2000" dirty="0" smtClean="0">
+              <a:rPr lang="en-US" sz="2000" dirty="0">
                 <a:latin typeface="Arial" pitchFamily="34" charset="0"/>
                 <a:cs typeface="Arial" pitchFamily="34" charset="0"/>
               </a:rPr>
               <a:t>, </a:t>
             </a:r>
             <a:r>
-              <a:rPr lang="en-US" sz="2000" dirty="0" err="1" smtClean="0">
+              <a:rPr lang="en-US" sz="2000" dirty="0" err="1">
                 <a:latin typeface="Arial" pitchFamily="34" charset="0"/>
                 <a:cs typeface="Arial" pitchFamily="34" charset="0"/>
               </a:rPr>
               <a:t>FileReader</a:t>
             </a:r>
             <a:r>
-              <a:rPr lang="en-US" sz="2000" dirty="0" smtClean="0">
+              <a:rPr lang="en-US" sz="2000" dirty="0">
                 <a:latin typeface="Arial" pitchFamily="34" charset="0"/>
                 <a:cs typeface="Arial" pitchFamily="34" charset="0"/>
               </a:rPr>
@@ -10837,7 +10673,7 @@
           </a:p>
           <a:p>
             <a:r>
-              <a:rPr lang="en-US" sz="2000" dirty="0" smtClean="0">
+              <a:rPr lang="en-US" sz="2000" dirty="0">
                 <a:latin typeface="Arial" pitchFamily="34" charset="0"/>
                 <a:cs typeface="Arial" pitchFamily="34" charset="0"/>
               </a:rPr>
@@ -10846,16 +10682,12 @@
           </a:p>
           <a:p>
             <a:r>
-              <a:rPr lang="en-US" sz="2000" dirty="0" smtClean="0">
+              <a:rPr lang="en-US" sz="2000" dirty="0">
                 <a:latin typeface="Arial" pitchFamily="34" charset="0"/>
                 <a:cs typeface="Arial" pitchFamily="34" charset="0"/>
               </a:rPr>
               <a:t>From Arrays to Lists</a:t>
             </a:r>
-            <a:endParaRPr lang="en-US" sz="2000" dirty="0">
-              <a:latin typeface="Arial" pitchFamily="34" charset="0"/>
-              <a:cs typeface="Arial" pitchFamily="34" charset="0"/>
-            </a:endParaRPr>
           </a:p>
         </p:txBody>
       </p:sp>
@@ -10897,13 +10729,6 @@
   <p:clrMapOvr>
     <a:masterClrMapping/>
   </p:clrMapOvr>
-  <p:timing>
-    <p:tnLst>
-      <p:par>
-        <p:cTn id="1" dur="indefinite" restart="never" nodeType="tmRoot"/>
-      </p:par>
-    </p:tnLst>
-  </p:timing>
 </p:sld>
 </file>
 
@@ -10947,10 +10772,9 @@
           <a:lstStyle/>
           <a:p>
             <a:r>
-              <a:rPr lang="en-US" dirty="0" smtClean="0"/>
+              <a:rPr lang="en-US" dirty="0"/>
               <a:t>So how much slower is Java than C…</a:t>
             </a:r>
-            <a:endParaRPr lang="en-US" dirty="0"/>
           </a:p>
         </p:txBody>
       </p:sp>
@@ -10977,16 +10801,15 @@
           <a:lstStyle/>
           <a:p>
             <a:r>
-              <a:rPr lang="en-US" dirty="0" smtClean="0"/>
+              <a:rPr lang="en-US" dirty="0"/>
               <a:t>Here is a C version of code counts the number of lines in a text file.</a:t>
             </a:r>
           </a:p>
           <a:p>
             <a:r>
-              <a:rPr lang="en-US" dirty="0" smtClean="0"/>
+              <a:rPr lang="en-US" dirty="0"/>
               <a:t>Note that we don’t have to make~1.2 million strings here because the string is mutable</a:t>
             </a:r>
-            <a:endParaRPr lang="en-US" dirty="0"/>
           </a:p>
         </p:txBody>
       </p:sp>
@@ -11077,14 +10900,13 @@
           <a:lstStyle/>
           <a:p>
             <a:r>
-              <a:rPr lang="en-US" dirty="0" smtClean="0"/>
+              <a:rPr lang="en-US" dirty="0"/>
               <a:t>This takes ~11 to </a:t>
             </a:r>
             <a:r>
-              <a:rPr lang="en-US" smtClean="0"/>
+              <a:rPr lang="en-US"/>
               <a:t>12 seconds…</a:t>
             </a:r>
-            <a:endParaRPr lang="en-US"/>
           </a:p>
         </p:txBody>
       </p:sp>
@@ -11144,22 +10966,21 @@
           <a:lstStyle/>
           <a:p>
             <a:r>
-              <a:rPr lang="en-US" dirty="0" smtClean="0"/>
+              <a:rPr lang="en-US" dirty="0"/>
               <a:t>More portable to use</a:t>
             </a:r>
           </a:p>
           <a:p>
             <a:r>
-              <a:rPr lang="en-US" dirty="0" smtClean="0"/>
+              <a:rPr lang="en-US" dirty="0"/>
               <a:t>((float)CLOCKS_PER_SEC) </a:t>
             </a:r>
           </a:p>
           <a:p>
             <a:r>
-              <a:rPr lang="en-US" dirty="0" smtClean="0"/>
+              <a:rPr lang="en-US" dirty="0"/>
               <a:t>instead of 1000.0 here</a:t>
             </a:r>
-            <a:endParaRPr lang="en-US" dirty="0"/>
           </a:p>
         </p:txBody>
       </p:sp>
@@ -11168,13 +10989,6 @@
   <p:clrMapOvr>
     <a:masterClrMapping/>
   </p:clrMapOvr>
-  <p:timing>
-    <p:tnLst>
-      <p:par>
-        <p:cTn id="1" dur="indefinite" restart="never" nodeType="tmRoot"/>
-      </p:par>
-    </p:tnLst>
-  </p:timing>
 </p:sld>
 </file>
 
@@ -11218,10 +11032,9 @@
           <a:lstStyle/>
           <a:p>
             <a:r>
-              <a:rPr lang="en-US" dirty="0" smtClean="0"/>
+              <a:rPr lang="en-US" dirty="0"/>
               <a:t>In Java, we will use our new Reader class but it will have to create ~1.2 million String objects…</a:t>
             </a:r>
-            <a:endParaRPr lang="en-US" dirty="0"/>
           </a:p>
         </p:txBody>
       </p:sp>
@@ -11312,35 +11125,35 @@
           <a:lstStyle/>
           <a:p>
             <a:r>
-              <a:rPr lang="en-US" dirty="0" smtClean="0"/>
+              <a:rPr lang="en-US" dirty="0"/>
               <a:t>Java is ~20 times faster than C.</a:t>
             </a:r>
           </a:p>
           <a:p>
             <a:r>
-              <a:rPr lang="en-US" dirty="0" smtClean="0"/>
+              <a:rPr lang="en-US" dirty="0"/>
               <a:t>This is because the JVM is heavily optimized for windows and the</a:t>
             </a:r>
           </a:p>
           <a:p>
             <a:r>
-              <a:rPr lang="en-US" dirty="0" err="1" smtClean="0"/>
+              <a:rPr lang="en-US" dirty="0" err="1"/>
               <a:t>Cygwin</a:t>
             </a:r>
             <a:r>
-              <a:rPr lang="en-US" dirty="0" smtClean="0"/>
+              <a:rPr lang="en-US" dirty="0"/>
               <a:t> environment (where </a:t>
             </a:r>
             <a:r>
-              <a:rPr lang="en-US" dirty="0" err="1" smtClean="0"/>
+              <a:rPr lang="en-US" dirty="0" err="1"/>
               <a:t>gcc</a:t>
             </a:r>
             <a:r>
-              <a:rPr lang="en-US" dirty="0" smtClean="0"/>
+              <a:rPr lang="en-US" dirty="0"/>
               <a:t> lives) is very slow </a:t>
             </a:r>
             <a:r>
-              <a:rPr lang="en-US" smtClean="0"/>
+              <a:rPr lang="en-US"/>
               <a:t>on Windows…</a:t>
             </a:r>
             <a:endParaRPr lang="en-US" dirty="0"/>
@@ -11352,13 +11165,6 @@
   <p:clrMapOvr>
     <a:masterClrMapping/>
   </p:clrMapOvr>
-  <p:timing>
-    <p:tnLst>
-      <p:par>
-        <p:cTn id="1" dur="indefinite" restart="never" nodeType="tmRoot"/>
-      </p:par>
-    </p:tnLst>
-  </p:timing>
 </p:sld>
 </file>
 
@@ -11402,44 +11208,44 @@
           <a:lstStyle/>
           <a:p>
             <a:r>
-              <a:rPr lang="en-US" dirty="0" smtClean="0"/>
+              <a:rPr lang="en-US" dirty="0"/>
               <a:t>On Linux (where </a:t>
             </a:r>
             <a:r>
-              <a:rPr lang="en-US" dirty="0" err="1" smtClean="0"/>
+              <a:rPr lang="en-US" dirty="0" err="1"/>
               <a:t>gcc</a:t>
             </a:r>
             <a:r>
-              <a:rPr lang="en-US" dirty="0" smtClean="0"/>
+              <a:rPr lang="en-US" dirty="0"/>
               <a:t> is native)</a:t>
             </a:r>
           </a:p>
           <a:p>
-            <a:endParaRPr lang="en-US" dirty="0" smtClean="0"/>
-          </a:p>
-          <a:p>
-            <a:r>
-              <a:rPr lang="en-US" dirty="0" smtClean="0"/>
+            <a:endParaRPr lang="en-US" dirty="0"/>
+          </a:p>
+          <a:p>
+            <a:r>
+              <a:rPr lang="en-US" dirty="0"/>
               <a:t>	C code  ~0.8 seconds</a:t>
             </a:r>
           </a:p>
           <a:p>
             <a:r>
-              <a:rPr lang="en-US" dirty="0" smtClean="0"/>
+              <a:rPr lang="en-US" dirty="0"/>
               <a:t>	Java code ~0.4 seconds.</a:t>
             </a:r>
           </a:p>
           <a:p>
-            <a:endParaRPr lang="en-US" dirty="0" smtClean="0"/>
-          </a:p>
-          <a:p>
-            <a:r>
-              <a:rPr lang="en-US" dirty="0" smtClean="0"/>
+            <a:endParaRPr lang="en-US" dirty="0"/>
+          </a:p>
+          <a:p>
+            <a:r>
+              <a:rPr lang="en-US" dirty="0"/>
               <a:t>It is hard to predict ahead of time what will be faster…</a:t>
             </a:r>
           </a:p>
           <a:p>
-            <a:endParaRPr lang="en-US" dirty="0" smtClean="0"/>
+            <a:endParaRPr lang="en-US" dirty="0"/>
           </a:p>
           <a:p>
             <a:endParaRPr lang="en-US" dirty="0"/>
@@ -11451,13 +11257,6 @@
   <p:clrMapOvr>
     <a:masterClrMapping/>
   </p:clrMapOvr>
-  <p:timing>
-    <p:tnLst>
-      <p:par>
-        <p:cTn id="1" dur="indefinite" restart="never" nodeType="tmRoot"/>
-      </p:par>
-    </p:tnLst>
-  </p:timing>
 </p:sld>
 </file>
 
@@ -11533,10 +11332,9 @@
           <a:lstStyle/>
           <a:p>
             <a:r>
-              <a:rPr lang="en-US" dirty="0" smtClean="0"/>
+              <a:rPr lang="en-US" dirty="0"/>
               <a:t>Bloch – “Optimize last”</a:t>
             </a:r>
-            <a:endParaRPr lang="en-US" dirty="0"/>
           </a:p>
         </p:txBody>
       </p:sp>
@@ -11577,13 +11375,6 @@
   <p:clrMapOvr>
     <a:masterClrMapping/>
   </p:clrMapOvr>
-  <p:timing>
-    <p:tnLst>
-      <p:par>
-        <p:cTn id="1" dur="indefinite" restart="never" nodeType="tmRoot"/>
-      </p:par>
-    </p:tnLst>
-  </p:timing>
 </p:sld>
 </file>
 
@@ -11626,7 +11417,7 @@
           <a:lstStyle/>
           <a:p>
             <a:r>
-              <a:rPr lang="en-US" sz="2000" dirty="0" smtClean="0">
+              <a:rPr lang="en-US" sz="2000" dirty="0">
                 <a:latin typeface="Arial" pitchFamily="34" charset="0"/>
                 <a:cs typeface="Arial" pitchFamily="34" charset="0"/>
               </a:rPr>
@@ -11635,21 +11426,21 @@
           </a:p>
           <a:p>
             <a:r>
-              <a:rPr lang="en-US" sz="2000" dirty="0" smtClean="0">
+              <a:rPr lang="en-US" sz="2000" dirty="0">
                 <a:latin typeface="Arial" pitchFamily="34" charset="0"/>
                 <a:cs typeface="Arial" pitchFamily="34" charset="0"/>
               </a:rPr>
               <a:t>String, </a:t>
             </a:r>
             <a:r>
-              <a:rPr lang="en-US" sz="2000" dirty="0" err="1" smtClean="0">
+              <a:rPr lang="en-US" sz="2000" dirty="0" err="1">
                 <a:latin typeface="Arial" pitchFamily="34" charset="0"/>
                 <a:cs typeface="Arial" pitchFamily="34" charset="0"/>
               </a:rPr>
               <a:t>StringBuffer</a:t>
             </a:r>
             <a:r>
-              <a:rPr lang="en-US" sz="2000" dirty="0" smtClean="0">
+              <a:rPr lang="en-US" sz="2000" dirty="0">
                 <a:latin typeface="Arial" pitchFamily="34" charset="0"/>
                 <a:cs typeface="Arial" pitchFamily="34" charset="0"/>
               </a:rPr>
@@ -11658,28 +11449,28 @@
           </a:p>
           <a:p>
             <a:r>
-              <a:rPr lang="en-US" sz="2000" dirty="0" err="1" smtClean="0">
+              <a:rPr lang="en-US" sz="2000" dirty="0" err="1">
                 <a:latin typeface="Arial" pitchFamily="34" charset="0"/>
                 <a:cs typeface="Arial" pitchFamily="34" charset="0"/>
               </a:rPr>
               <a:t>BufferedReader</a:t>
             </a:r>
             <a:r>
-              <a:rPr lang="en-US" sz="2000" dirty="0" smtClean="0">
+              <a:rPr lang="en-US" sz="2000" dirty="0">
                 <a:latin typeface="Arial" pitchFamily="34" charset="0"/>
                 <a:cs typeface="Arial" pitchFamily="34" charset="0"/>
               </a:rPr>
               <a:t>, </a:t>
             </a:r>
             <a:r>
-              <a:rPr lang="en-US" sz="2000" dirty="0" err="1" smtClean="0">
+              <a:rPr lang="en-US" sz="2000" dirty="0" err="1">
                 <a:latin typeface="Arial" pitchFamily="34" charset="0"/>
                 <a:cs typeface="Arial" pitchFamily="34" charset="0"/>
               </a:rPr>
               <a:t>FileReader</a:t>
             </a:r>
             <a:r>
-              <a:rPr lang="en-US" sz="2000" dirty="0" smtClean="0">
+              <a:rPr lang="en-US" sz="2000" dirty="0">
                 <a:latin typeface="Arial" pitchFamily="34" charset="0"/>
                 <a:cs typeface="Arial" pitchFamily="34" charset="0"/>
               </a:rPr>
@@ -11688,7 +11479,7 @@
           </a:p>
           <a:p>
             <a:r>
-              <a:rPr lang="en-US" sz="2000" dirty="0" smtClean="0">
+              <a:rPr lang="en-US" sz="2000" dirty="0">
                 <a:latin typeface="Arial" pitchFamily="34" charset="0"/>
                 <a:cs typeface="Arial" pitchFamily="34" charset="0"/>
               </a:rPr>
@@ -11697,16 +11488,12 @@
           </a:p>
           <a:p>
             <a:r>
-              <a:rPr lang="en-US" sz="2000" dirty="0" smtClean="0">
+              <a:rPr lang="en-US" sz="2000" dirty="0">
                 <a:latin typeface="Arial" pitchFamily="34" charset="0"/>
                 <a:cs typeface="Arial" pitchFamily="34" charset="0"/>
               </a:rPr>
               <a:t>From Arrays to Lists</a:t>
             </a:r>
-            <a:endParaRPr lang="en-US" sz="2000" dirty="0">
-              <a:latin typeface="Arial" pitchFamily="34" charset="0"/>
-              <a:cs typeface="Arial" pitchFamily="34" charset="0"/>
-            </a:endParaRPr>
           </a:p>
         </p:txBody>
       </p:sp>
@@ -11748,13 +11535,6 @@
   <p:clrMapOvr>
     <a:masterClrMapping/>
   </p:clrMapOvr>
-  <p:timing>
-    <p:tnLst>
-      <p:par>
-        <p:cTn id="1" dur="indefinite" restart="never" nodeType="tmRoot"/>
-      </p:par>
-    </p:tnLst>
-  </p:timing>
 </p:sld>
 </file>
 
@@ -11798,31 +11578,30 @@
           <a:lstStyle/>
           <a:p>
             <a:r>
-              <a:rPr lang="en-US" dirty="0" smtClean="0"/>
+              <a:rPr lang="en-US" dirty="0"/>
               <a:t>In C, pointers and arrays are hopelessly entangled with each other.</a:t>
             </a:r>
           </a:p>
           <a:p>
             <a:r>
-              <a:rPr lang="en-US" dirty="0" smtClean="0"/>
+              <a:rPr lang="en-US" dirty="0"/>
               <a:t>char** is a pointer to a char * pointer (or a String).</a:t>
             </a:r>
           </a:p>
           <a:p>
             <a:r>
-              <a:rPr lang="en-US" dirty="0" smtClean="0"/>
+              <a:rPr lang="en-US" dirty="0"/>
               <a:t>As we know, this is pretty confusing.</a:t>
             </a:r>
           </a:p>
           <a:p>
-            <a:endParaRPr lang="en-US" dirty="0" smtClean="0"/>
-          </a:p>
-          <a:p>
-            <a:r>
-              <a:rPr lang="en-US" dirty="0" smtClean="0"/>
+            <a:endParaRPr lang="en-US" dirty="0"/>
+          </a:p>
+          <a:p>
+            <a:r>
+              <a:rPr lang="en-US" dirty="0"/>
               <a:t>In Java, Strings and arrays are (thankfully) separate</a:t>
             </a:r>
-            <a:endParaRPr lang="en-US" dirty="0"/>
           </a:p>
         </p:txBody>
       </p:sp>
@@ -11895,13 +11674,6 @@
   <p:clrMapOvr>
     <a:masterClrMapping/>
   </p:clrMapOvr>
-  <p:timing>
-    <p:tnLst>
-      <p:par>
-        <p:cTn id="1" dur="indefinite" restart="never" nodeType="tmRoot"/>
-      </p:par>
-    </p:tnLst>
-  </p:timing>
 </p:sld>
 </file>
 
@@ -11977,10 +11749,9 @@
           <a:lstStyle/>
           <a:p>
             <a:r>
-              <a:rPr lang="en-US" dirty="0" smtClean="0"/>
+              <a:rPr lang="en-US" dirty="0"/>
               <a:t>Strings and arrays are not interchangeable</a:t>
             </a:r>
-            <a:endParaRPr lang="en-US" dirty="0"/>
           </a:p>
         </p:txBody>
       </p:sp>
@@ -12021,13 +11792,6 @@
   <p:clrMapOvr>
     <a:masterClrMapping/>
   </p:clrMapOvr>
-  <p:timing>
-    <p:tnLst>
-      <p:par>
-        <p:cTn id="1" dur="indefinite" restart="never" nodeType="tmRoot"/>
-      </p:par>
-    </p:tnLst>
-  </p:timing>
 </p:sld>
 </file>
 
@@ -12106,9 +11870,82 @@
         </p:xfrm>
         <a:graphic>
           <a:graphicData uri="http://schemas.openxmlformats.org/presentationml/2006/ole">
-            <p:oleObj spid="_x0000_s2050" name="Bitmap Image" r:id="rId4" imgW="6249272" imgH="2048161" progId="PBrush">
-              <p:embed/>
-            </p:oleObj>
+            <mc:AlternateContent xmlns:mc="http://schemas.openxmlformats.org/markup-compatibility/2006">
+              <mc:Choice xmlns:v="urn:schemas-microsoft-com:vml" Requires="v">
+                <p:oleObj spid="_x0000_s2051" name="Bitmap Image" r:id="rId4" imgW="6249272" imgH="2048161" progId="PBrush">
+                  <p:embed/>
+                </p:oleObj>
+              </mc:Choice>
+              <mc:Fallback>
+                <p:oleObj name="Bitmap Image" r:id="rId4" imgW="6249272" imgH="2048161" progId="PBrush">
+                  <p:embed/>
+                  <p:pic>
+                    <p:nvPicPr>
+                      <p:cNvPr id="0" name="Picture 2"/>
+                      <p:cNvPicPr>
+                        <a:picLocks noChangeAspect="1" noChangeArrowheads="1"/>
+                      </p:cNvPicPr>
+                      <p:nvPr/>
+                    </p:nvPicPr>
+                    <p:blipFill>
+                      <a:blip r:embed="rId5">
+                        <a:extLst>
+                          <a:ext uri="{28A0092B-C50C-407E-A947-70E740481C1C}">
+                            <a14:useLocalDpi xmlns:a14="http://schemas.microsoft.com/office/drawing/2010/main" val="0"/>
+                          </a:ext>
+                        </a:extLst>
+                      </a:blip>
+                      <a:srcRect/>
+                      <a:stretch>
+                        <a:fillRect/>
+                      </a:stretch>
+                    </p:blipFill>
+                    <p:spPr bwMode="auto">
+                      <a:xfrm>
+                        <a:off x="304800" y="1676400"/>
+                        <a:ext cx="8305800" cy="2720975"/>
+                      </a:xfrm>
+                      <a:prstGeom prst="rect">
+                        <a:avLst/>
+                      </a:prstGeom>
+                      <a:noFill/>
+                      <a:ln>
+                        <a:noFill/>
+                      </a:ln>
+                      <a:effectLst/>
+                      <a:extLst>
+                        <a:ext uri="{909E8E84-426E-40DD-AFC4-6F175D3DCCD1}">
+                          <a14:hiddenFill xmlns:a14="http://schemas.microsoft.com/office/drawing/2010/main">
+                            <a:solidFill>
+                              <a:schemeClr val="accent1"/>
+                            </a:solidFill>
+                          </a14:hiddenFill>
+                        </a:ext>
+                        <a:ext uri="{91240B29-F687-4F45-9708-019B960494DF}">
+                          <a14:hiddenLine xmlns:a14="http://schemas.microsoft.com/office/drawing/2010/main" w="9525">
+                            <a:solidFill>
+                              <a:schemeClr val="tx1"/>
+                            </a:solidFill>
+                            <a:miter lim="800000"/>
+                            <a:headEnd/>
+                            <a:tailEnd/>
+                          </a14:hiddenLine>
+                        </a:ext>
+                        <a:ext uri="{AF507438-7753-43E0-B8FC-AC1667EBCBE1}">
+                          <a14:hiddenEffects xmlns:a14="http://schemas.microsoft.com/office/drawing/2010/main">
+                            <a:effectLst>
+                              <a:outerShdw dist="35921" dir="2700000" algn="ctr" rotWithShape="0">
+                                <a:schemeClr val="bg2"/>
+                              </a:outerShdw>
+                            </a:effectLst>
+                          </a14:hiddenEffects>
+                        </a:ext>
+                      </a:extLst>
+                    </p:spPr>
+                  </p:pic>
+                </p:oleObj>
+              </mc:Fallback>
+            </mc:AlternateContent>
           </a:graphicData>
         </a:graphic>
       </p:graphicFrame>
@@ -12117,13 +11954,6 @@
   <p:clrMapOvr>
     <a:masterClrMapping/>
   </p:clrMapOvr>
-  <p:timing>
-    <p:tnLst>
-      <p:par>
-        <p:cTn id="1" dur="indefinite" restart="never" nodeType="tmRoot"/>
-      </p:par>
-    </p:tnLst>
-  </p:timing>
 </p:sld>
 </file>
 
@@ -12231,10 +12061,9 @@
           <a:lstStyle/>
           <a:p>
             <a:r>
-              <a:rPr lang="en-US" dirty="0" smtClean="0"/>
+              <a:rPr lang="en-US" dirty="0"/>
               <a:t>Java gives us stack tracks (easy to fix) rather than the dreaded “segmentation fault”.</a:t>
             </a:r>
-            <a:endParaRPr lang="en-US" dirty="0"/>
           </a:p>
         </p:txBody>
       </p:sp>
@@ -12261,39 +12090,38 @@
           <a:lstStyle/>
           <a:p>
             <a:r>
-              <a:rPr lang="en-US" dirty="0" smtClean="0"/>
+              <a:rPr lang="en-US" dirty="0"/>
               <a:t>Also, note that Java is managing the length of the Array.</a:t>
             </a:r>
           </a:p>
           <a:p>
             <a:r>
-              <a:rPr lang="en-US" dirty="0" smtClean="0"/>
+              <a:rPr lang="en-US" dirty="0"/>
               <a:t>You can call </a:t>
             </a:r>
             <a:r>
-              <a:rPr lang="en-US" dirty="0" err="1" smtClean="0"/>
+              <a:rPr lang="en-US" dirty="0" err="1"/>
               <a:t>s.length</a:t>
             </a:r>
             <a:r>
-              <a:rPr lang="en-US" dirty="0" smtClean="0"/>
+              <a:rPr lang="en-US" dirty="0"/>
               <a:t> to get the length (as opposed to C where the length of the array is not associated with the array data structure) </a:t>
             </a:r>
           </a:p>
           <a:p>
-            <a:endParaRPr lang="en-US" dirty="0" smtClean="0"/>
-          </a:p>
-          <a:p>
-            <a:r>
-              <a:rPr lang="en-US" dirty="0" smtClean="0"/>
+            <a:endParaRPr lang="en-US" dirty="0"/>
+          </a:p>
+          <a:p>
+            <a:r>
+              <a:rPr lang="en-US" dirty="0"/>
               <a:t>Because Java knows the length of the array, it does bound checking to see if your call is </a:t>
             </a:r>
           </a:p>
           <a:p>
             <a:r>
-              <a:rPr lang="en-US" dirty="0" smtClean="0"/>
+              <a:rPr lang="en-US" dirty="0"/>
               <a:t>within that length. (As opposed to C that gives you direct access to the memory)</a:t>
             </a:r>
-            <a:endParaRPr lang="en-US" dirty="0"/>
           </a:p>
         </p:txBody>
       </p:sp>
@@ -12302,13 +12130,6 @@
   <p:clrMapOvr>
     <a:masterClrMapping/>
   </p:clrMapOvr>
-  <p:timing>
-    <p:tnLst>
-      <p:par>
-        <p:cTn id="1" dur="indefinite" restart="never" nodeType="tmRoot"/>
-      </p:par>
-    </p:tnLst>
-  </p:timing>
 </p:sld>
 </file>
 
@@ -12352,16 +12173,15 @@
           <a:lstStyle/>
           <a:p>
             <a:r>
-              <a:rPr lang="en-US" dirty="0" smtClean="0"/>
+              <a:rPr lang="en-US" dirty="0"/>
               <a:t>Because Java knows the length of the array and the kinds of objects in</a:t>
             </a:r>
           </a:p>
           <a:p>
             <a:r>
-              <a:rPr lang="en-US" dirty="0" smtClean="0"/>
+              <a:rPr lang="en-US" dirty="0"/>
               <a:t>the array, the sort interface is much cleaner…</a:t>
             </a:r>
-            <a:endParaRPr lang="en-US" dirty="0"/>
           </a:p>
         </p:txBody>
       </p:sp>
@@ -12450,10 +12270,9 @@
           <a:lstStyle/>
           <a:p>
             <a:r>
-              <a:rPr lang="en-US" dirty="0" smtClean="0"/>
+              <a:rPr lang="en-US" dirty="0"/>
               <a:t>Much easier than the C sort…</a:t>
             </a:r>
-            <a:endParaRPr lang="en-US" dirty="0"/>
           </a:p>
         </p:txBody>
       </p:sp>
@@ -12572,13 +12391,6 @@
   <p:clrMapOvr>
     <a:masterClrMapping/>
   </p:clrMapOvr>
-  <p:timing>
-    <p:tnLst>
-      <p:par>
-        <p:cTn id="1" dur="indefinite" restart="never" nodeType="tmRoot"/>
-      </p:par>
-    </p:tnLst>
-  </p:timing>
 </p:sld>
 </file>
 
@@ -12654,10 +12466,9 @@
           <a:lstStyle/>
           <a:p>
             <a:r>
-              <a:rPr lang="en-US" dirty="0" smtClean="0"/>
+              <a:rPr lang="en-US" dirty="0"/>
               <a:t>Likewise, binary search is much easier to implement </a:t>
             </a:r>
-            <a:endParaRPr lang="en-US" dirty="0"/>
           </a:p>
         </p:txBody>
       </p:sp>
@@ -12716,20 +12527,19 @@
           <a:lstStyle/>
           <a:p>
             <a:r>
-              <a:rPr lang="en-US" dirty="0" smtClean="0"/>
+              <a:rPr lang="en-US" dirty="0"/>
               <a:t>Again, much easier than C’s </a:t>
             </a:r>
           </a:p>
           <a:p>
             <a:r>
-              <a:rPr lang="en-US" dirty="0" err="1" smtClean="0"/>
+              <a:rPr lang="en-US" dirty="0" err="1"/>
               <a:t>bsearch</a:t>
             </a:r>
             <a:r>
-              <a:rPr lang="en-US" dirty="0" smtClean="0"/>
+              <a:rPr lang="en-US" dirty="0"/>
               <a:t>(….)</a:t>
             </a:r>
-            <a:endParaRPr lang="en-US" dirty="0"/>
           </a:p>
         </p:txBody>
       </p:sp>
@@ -12770,13 +12580,6 @@
   <p:clrMapOvr>
     <a:masterClrMapping/>
   </p:clrMapOvr>
-  <p:timing>
-    <p:tnLst>
-      <p:par>
-        <p:cTn id="1" dur="indefinite" restart="never" nodeType="tmRoot"/>
-      </p:par>
-    </p:tnLst>
-  </p:timing>
 </p:sld>
 </file>
 
@@ -12820,22 +12623,21 @@
           <a:lstStyle/>
           <a:p>
             <a:r>
-              <a:rPr lang="en-US" dirty="0" smtClean="0"/>
+              <a:rPr lang="en-US" dirty="0"/>
               <a:t>Arrays are a fixed size.</a:t>
             </a:r>
           </a:p>
           <a:p>
             <a:r>
-              <a:rPr lang="en-US" dirty="0" smtClean="0"/>
+              <a:rPr lang="en-US" dirty="0"/>
               <a:t>Java also provides a List interface that will finally allow us to dynamically grow a data structure </a:t>
             </a:r>
           </a:p>
           <a:p>
             <a:r>
-              <a:rPr lang="en-US" dirty="0" smtClean="0"/>
+              <a:rPr lang="en-US" dirty="0"/>
               <a:t>(no more  having to specify ahead of time how much memory to reserve)</a:t>
             </a:r>
-            <a:endParaRPr lang="en-US" dirty="0"/>
           </a:p>
         </p:txBody>
       </p:sp>
@@ -12908,13 +12710,6 @@
   <p:clrMapOvr>
     <a:masterClrMapping/>
   </p:clrMapOvr>
-  <p:timing>
-    <p:tnLst>
-      <p:par>
-        <p:cTn id="1" dur="indefinite" restart="never" nodeType="tmRoot"/>
-      </p:par>
-    </p:tnLst>
-  </p:timing>
 </p:sld>
 </file>
 
@@ -13023,10 +12818,9 @@
           <a:lstStyle/>
           <a:p>
             <a:r>
-              <a:rPr lang="en-US" dirty="0" smtClean="0"/>
+              <a:rPr lang="en-US" dirty="0"/>
               <a:t>List is an interface; a set of function names</a:t>
             </a:r>
-            <a:endParaRPr lang="en-US" dirty="0"/>
           </a:p>
         </p:txBody>
       </p:sp>
@@ -13086,17 +12880,17 @@
           <a:lstStyle/>
           <a:p>
             <a:r>
-              <a:rPr lang="en-US" dirty="0" err="1" smtClean="0"/>
+              <a:rPr lang="en-US" dirty="0" err="1"/>
               <a:t>ArrayList</a:t>
             </a:r>
             <a:r>
-              <a:rPr lang="en-US" dirty="0" smtClean="0"/>
+              <a:rPr lang="en-US" dirty="0"/>
               <a:t> is an implementation of that interface.</a:t>
             </a:r>
           </a:p>
           <a:p>
             <a:r>
-              <a:rPr lang="en-US" dirty="0" smtClean="0"/>
+              <a:rPr lang="en-US" dirty="0"/>
               <a:t>Much more on this later.</a:t>
             </a:r>
           </a:p>
@@ -13107,13 +12901,6 @@
   <p:clrMapOvr>
     <a:masterClrMapping/>
   </p:clrMapOvr>
-  <p:timing>
-    <p:tnLst>
-      <p:par>
-        <p:cTn id="1" dur="indefinite" restart="never" nodeType="tmRoot"/>
-      </p:par>
-    </p:tnLst>
-  </p:timing>
 </p:sld>
 </file>
 
@@ -13189,18 +12976,17 @@
           <a:lstStyle/>
           <a:p>
             <a:r>
-              <a:rPr lang="en-US" dirty="0" smtClean="0"/>
+              <a:rPr lang="en-US" dirty="0"/>
               <a:t>The </a:t>
             </a:r>
             <a:r>
-              <a:rPr lang="en-US" dirty="0" err="1" smtClean="0"/>
+              <a:rPr lang="en-US" dirty="0" err="1"/>
               <a:t>javadoc</a:t>
             </a:r>
             <a:r>
-              <a:rPr lang="en-US" dirty="0" smtClean="0"/>
+              <a:rPr lang="en-US" dirty="0"/>
               <a:t> for the List interface</a:t>
             </a:r>
-            <a:endParaRPr lang="en-US" dirty="0"/>
           </a:p>
         </p:txBody>
       </p:sp>
@@ -13209,13 +12995,6 @@
   <p:clrMapOvr>
     <a:masterClrMapping/>
   </p:clrMapOvr>
-  <p:timing>
-    <p:tnLst>
-      <p:par>
-        <p:cTn id="1" dur="indefinite" restart="never" nodeType="tmRoot"/>
-      </p:par>
-    </p:tnLst>
-  </p:timing>
 </p:sld>
 </file>
 
@@ -13291,10 +13070,9 @@
           <a:lstStyle/>
           <a:p>
             <a:r>
-              <a:rPr lang="en-US" dirty="0" smtClean="0"/>
+              <a:rPr lang="en-US" dirty="0"/>
               <a:t>(Some of) the methods you can call on a List…</a:t>
             </a:r>
-            <a:endParaRPr lang="en-US" dirty="0"/>
           </a:p>
         </p:txBody>
       </p:sp>
@@ -13303,13 +13081,6 @@
   <p:clrMapOvr>
     <a:masterClrMapping/>
   </p:clrMapOvr>
-  <p:timing>
-    <p:tnLst>
-      <p:par>
-        <p:cTn id="1" dur="indefinite" restart="never" nodeType="tmRoot"/>
-      </p:par>
-    </p:tnLst>
-  </p:timing>
 </p:sld>
 </file>
 
@@ -13385,19 +13156,19 @@
           <a:lstStyle/>
           <a:p>
             <a:r>
-              <a:rPr lang="en-US" dirty="0" smtClean="0"/>
+              <a:rPr lang="en-US" dirty="0"/>
               <a:t>An </a:t>
             </a:r>
             <a:r>
-              <a:rPr lang="en-US" dirty="0" err="1" smtClean="0"/>
+              <a:rPr lang="en-US" dirty="0" err="1"/>
               <a:t>ArrayList</a:t>
             </a:r>
             <a:r>
-              <a:rPr lang="en-US" dirty="0" smtClean="0"/>
+              <a:rPr lang="en-US" dirty="0"/>
               <a:t> is an </a:t>
             </a:r>
             <a:r>
-              <a:rPr lang="en-US" dirty="0" smtClean="0">
+              <a:rPr lang="en-US" dirty="0">
                 <a:solidFill>
                   <a:srgbClr val="FF0000"/>
                 </a:solidFill>
@@ -13405,22 +13176,17 @@
               <a:t>implementation</a:t>
             </a:r>
             <a:r>
-              <a:rPr lang="en-US" dirty="0" smtClean="0"/>
+              <a:rPr lang="en-US" dirty="0"/>
               <a:t> of the List </a:t>
             </a:r>
             <a:r>
-              <a:rPr lang="en-US" dirty="0" smtClean="0">
+              <a:rPr lang="en-US" dirty="0">
                 <a:solidFill>
                   <a:srgbClr val="FF0000"/>
                 </a:solidFill>
               </a:rPr>
               <a:t>interface</a:t>
             </a:r>
-            <a:endParaRPr lang="en-US" dirty="0">
-              <a:solidFill>
-                <a:srgbClr val="FF0000"/>
-              </a:solidFill>
-            </a:endParaRPr>
           </a:p>
         </p:txBody>
       </p:sp>
@@ -13447,10 +13213,9 @@
           <a:lstStyle/>
           <a:p>
             <a:r>
-              <a:rPr lang="en-US" dirty="0" smtClean="0"/>
+              <a:rPr lang="en-US" dirty="0"/>
               <a:t>The E is the type of Java object that is held in the List (much more on this later)</a:t>
             </a:r>
-            <a:endParaRPr lang="en-US" dirty="0"/>
           </a:p>
         </p:txBody>
       </p:sp>
@@ -13459,13 +13224,6 @@
   <p:clrMapOvr>
     <a:masterClrMapping/>
   </p:clrMapOvr>
-  <p:timing>
-    <p:tnLst>
-      <p:par>
-        <p:cTn id="1" dur="indefinite" restart="never" nodeType="tmRoot"/>
-      </p:par>
-    </p:tnLst>
-  </p:timing>
 </p:sld>
 </file>
 
@@ -13509,16 +13267,15 @@
           <a:lstStyle/>
           <a:p>
             <a:r>
-              <a:rPr lang="en-US" dirty="0" smtClean="0"/>
+              <a:rPr lang="en-US" dirty="0"/>
               <a:t>Coming up:</a:t>
             </a:r>
           </a:p>
           <a:p>
             <a:r>
-              <a:rPr lang="en-US" dirty="0" smtClean="0"/>
+              <a:rPr lang="en-US" dirty="0"/>
               <a:t>	Inheritance, interfaces and abstract classes…</a:t>
             </a:r>
-            <a:endParaRPr lang="en-US" dirty="0"/>
           </a:p>
         </p:txBody>
       </p:sp>
@@ -13599,9 +13356,82 @@
         </p:xfrm>
         <a:graphic>
           <a:graphicData uri="http://schemas.openxmlformats.org/presentationml/2006/ole">
-            <p:oleObj spid="_x0000_s3074" name="Bitmap Image" r:id="rId4" imgW="4123810" imgH="3580952" progId="PBrush">
-              <p:embed/>
-            </p:oleObj>
+            <mc:AlternateContent xmlns:mc="http://schemas.openxmlformats.org/markup-compatibility/2006">
+              <mc:Choice xmlns:v="urn:schemas-microsoft-com:vml" Requires="v">
+                <p:oleObj spid="_x0000_s3076" name="Bitmap Image" r:id="rId4" imgW="4123810" imgH="3580952" progId="PBrush">
+                  <p:embed/>
+                </p:oleObj>
+              </mc:Choice>
+              <mc:Fallback>
+                <p:oleObj name="Bitmap Image" r:id="rId4" imgW="4123810" imgH="3580952" progId="PBrush">
+                  <p:embed/>
+                  <p:pic>
+                    <p:nvPicPr>
+                      <p:cNvPr id="0" name="Picture 2"/>
+                      <p:cNvPicPr>
+                        <a:picLocks noChangeAspect="1" noChangeArrowheads="1"/>
+                      </p:cNvPicPr>
+                      <p:nvPr/>
+                    </p:nvPicPr>
+                    <p:blipFill>
+                      <a:blip r:embed="rId5">
+                        <a:extLst>
+                          <a:ext uri="{28A0092B-C50C-407E-A947-70E740481C1C}">
+                            <a14:useLocalDpi xmlns:a14="http://schemas.microsoft.com/office/drawing/2010/main" val="0"/>
+                          </a:ext>
+                        </a:extLst>
+                      </a:blip>
+                      <a:srcRect/>
+                      <a:stretch>
+                        <a:fillRect/>
+                      </a:stretch>
+                    </p:blipFill>
+                    <p:spPr bwMode="auto">
+                      <a:xfrm>
+                        <a:off x="1595438" y="1066800"/>
+                        <a:ext cx="5491162" cy="4768850"/>
+                      </a:xfrm>
+                      <a:prstGeom prst="rect">
+                        <a:avLst/>
+                      </a:prstGeom>
+                      <a:noFill/>
+                      <a:ln>
+                        <a:noFill/>
+                      </a:ln>
+                      <a:effectLst/>
+                      <a:extLst>
+                        <a:ext uri="{909E8E84-426E-40DD-AFC4-6F175D3DCCD1}">
+                          <a14:hiddenFill xmlns:a14="http://schemas.microsoft.com/office/drawing/2010/main">
+                            <a:solidFill>
+                              <a:schemeClr val="accent1"/>
+                            </a:solidFill>
+                          </a14:hiddenFill>
+                        </a:ext>
+                        <a:ext uri="{91240B29-F687-4F45-9708-019B960494DF}">
+                          <a14:hiddenLine xmlns:a14="http://schemas.microsoft.com/office/drawing/2010/main" w="9525">
+                            <a:solidFill>
+                              <a:schemeClr val="tx1"/>
+                            </a:solidFill>
+                            <a:miter lim="800000"/>
+                            <a:headEnd/>
+                            <a:tailEnd/>
+                          </a14:hiddenLine>
+                        </a:ext>
+                        <a:ext uri="{AF507438-7753-43E0-B8FC-AC1667EBCBE1}">
+                          <a14:hiddenEffects xmlns:a14="http://schemas.microsoft.com/office/drawing/2010/main">
+                            <a:effectLst>
+                              <a:outerShdw dist="35921" dir="2700000" algn="ctr" rotWithShape="0">
+                                <a:schemeClr val="bg2"/>
+                              </a:outerShdw>
+                            </a:effectLst>
+                          </a14:hiddenEffects>
+                        </a:ext>
+                      </a:extLst>
+                    </p:spPr>
+                  </p:pic>
+                </p:oleObj>
+              </mc:Fallback>
+            </mc:AlternateContent>
           </a:graphicData>
         </a:graphic>
       </p:graphicFrame>
@@ -13619,9 +13449,82 @@
         </p:xfrm>
         <a:graphic>
           <a:graphicData uri="http://schemas.openxmlformats.org/presentationml/2006/ole">
-            <p:oleObj spid="_x0000_s3075" name="Bitmap Image" r:id="rId5" imgW="4304762" imgH="485586" progId="PBrush">
-              <p:embed/>
-            </p:oleObj>
+            <mc:AlternateContent xmlns:mc="http://schemas.openxmlformats.org/markup-compatibility/2006">
+              <mc:Choice xmlns:v="urn:schemas-microsoft-com:vml" Requires="v">
+                <p:oleObj spid="_x0000_s3077" name="Bitmap Image" r:id="rId6" imgW="4304762" imgH="485586" progId="PBrush">
+                  <p:embed/>
+                </p:oleObj>
+              </mc:Choice>
+              <mc:Fallback>
+                <p:oleObj name="Bitmap Image" r:id="rId6" imgW="4304762" imgH="485586" progId="PBrush">
+                  <p:embed/>
+                  <p:pic>
+                    <p:nvPicPr>
+                      <p:cNvPr id="0" name="Picture 3"/>
+                      <p:cNvPicPr>
+                        <a:picLocks noChangeAspect="1" noChangeArrowheads="1"/>
+                      </p:cNvPicPr>
+                      <p:nvPr/>
+                    </p:nvPicPr>
+                    <p:blipFill>
+                      <a:blip r:embed="rId7">
+                        <a:extLst>
+                          <a:ext uri="{28A0092B-C50C-407E-A947-70E740481C1C}">
+                            <a14:useLocalDpi xmlns:a14="http://schemas.microsoft.com/office/drawing/2010/main" val="0"/>
+                          </a:ext>
+                        </a:extLst>
+                      </a:blip>
+                      <a:srcRect/>
+                      <a:stretch>
+                        <a:fillRect/>
+                      </a:stretch>
+                    </p:blipFill>
+                    <p:spPr bwMode="auto">
+                      <a:xfrm>
+                        <a:off x="1143000" y="5791200"/>
+                        <a:ext cx="6705600" cy="757238"/>
+                      </a:xfrm>
+                      <a:prstGeom prst="rect">
+                        <a:avLst/>
+                      </a:prstGeom>
+                      <a:noFill/>
+                      <a:ln>
+                        <a:noFill/>
+                      </a:ln>
+                      <a:effectLst/>
+                      <a:extLst>
+                        <a:ext uri="{909E8E84-426E-40DD-AFC4-6F175D3DCCD1}">
+                          <a14:hiddenFill xmlns:a14="http://schemas.microsoft.com/office/drawing/2010/main">
+                            <a:solidFill>
+                              <a:schemeClr val="accent1"/>
+                            </a:solidFill>
+                          </a14:hiddenFill>
+                        </a:ext>
+                        <a:ext uri="{91240B29-F687-4F45-9708-019B960494DF}">
+                          <a14:hiddenLine xmlns:a14="http://schemas.microsoft.com/office/drawing/2010/main" w="9525">
+                            <a:solidFill>
+                              <a:schemeClr val="tx1"/>
+                            </a:solidFill>
+                            <a:miter lim="800000"/>
+                            <a:headEnd/>
+                            <a:tailEnd/>
+                          </a14:hiddenLine>
+                        </a:ext>
+                        <a:ext uri="{AF507438-7753-43E0-B8FC-AC1667EBCBE1}">
+                          <a14:hiddenEffects xmlns:a14="http://schemas.microsoft.com/office/drawing/2010/main">
+                            <a:effectLst>
+                              <a:outerShdw dist="35921" dir="2700000" algn="ctr" rotWithShape="0">
+                                <a:schemeClr val="bg2"/>
+                              </a:outerShdw>
+                            </a:effectLst>
+                          </a14:hiddenEffects>
+                        </a:ext>
+                      </a:extLst>
+                    </p:spPr>
+                  </p:pic>
+                </p:oleObj>
+              </mc:Fallback>
+            </mc:AlternateContent>
           </a:graphicData>
         </a:graphic>
       </p:graphicFrame>
@@ -13630,13 +13533,6 @@
   <p:clrMapOvr>
     <a:masterClrMapping/>
   </p:clrMapOvr>
-  <p:timing>
-    <p:tnLst>
-      <p:par>
-        <p:cTn id="1" dur="indefinite" restart="never" nodeType="tmRoot"/>
-      </p:par>
-    </p:tnLst>
-  </p:timing>
 </p:sld>
 </file>
 
@@ -13671,9 +13567,82 @@
         </p:xfrm>
         <a:graphic>
           <a:graphicData uri="http://schemas.openxmlformats.org/presentationml/2006/ole">
-            <p:oleObj spid="_x0000_s4098" name="Bitmap Image" r:id="rId4" imgW="5761905" imgH="4590476" progId="PBrush">
-              <p:embed/>
-            </p:oleObj>
+            <mc:AlternateContent xmlns:mc="http://schemas.openxmlformats.org/markup-compatibility/2006">
+              <mc:Choice xmlns:v="urn:schemas-microsoft-com:vml" Requires="v">
+                <p:oleObj spid="_x0000_s4099" name="Bitmap Image" r:id="rId4" imgW="5761905" imgH="4590476" progId="PBrush">
+                  <p:embed/>
+                </p:oleObj>
+              </mc:Choice>
+              <mc:Fallback>
+                <p:oleObj name="Bitmap Image" r:id="rId4" imgW="5761905" imgH="4590476" progId="PBrush">
+                  <p:embed/>
+                  <p:pic>
+                    <p:nvPicPr>
+                      <p:cNvPr id="0" name="Picture 2"/>
+                      <p:cNvPicPr>
+                        <a:picLocks noChangeAspect="1" noChangeArrowheads="1"/>
+                      </p:cNvPicPr>
+                      <p:nvPr/>
+                    </p:nvPicPr>
+                    <p:blipFill>
+                      <a:blip r:embed="rId5">
+                        <a:extLst>
+                          <a:ext uri="{28A0092B-C50C-407E-A947-70E740481C1C}">
+                            <a14:useLocalDpi xmlns:a14="http://schemas.microsoft.com/office/drawing/2010/main" val="0"/>
+                          </a:ext>
+                        </a:extLst>
+                      </a:blip>
+                      <a:srcRect/>
+                      <a:stretch>
+                        <a:fillRect/>
+                      </a:stretch>
+                    </p:blipFill>
+                    <p:spPr bwMode="auto">
+                      <a:xfrm>
+                        <a:off x="1066800" y="685800"/>
+                        <a:ext cx="6705600" cy="5341938"/>
+                      </a:xfrm>
+                      <a:prstGeom prst="rect">
+                        <a:avLst/>
+                      </a:prstGeom>
+                      <a:noFill/>
+                      <a:ln>
+                        <a:noFill/>
+                      </a:ln>
+                      <a:effectLst/>
+                      <a:extLst>
+                        <a:ext uri="{909E8E84-426E-40DD-AFC4-6F175D3DCCD1}">
+                          <a14:hiddenFill xmlns:a14="http://schemas.microsoft.com/office/drawing/2010/main">
+                            <a:solidFill>
+                              <a:schemeClr val="accent1"/>
+                            </a:solidFill>
+                          </a14:hiddenFill>
+                        </a:ext>
+                        <a:ext uri="{91240B29-F687-4F45-9708-019B960494DF}">
+                          <a14:hiddenLine xmlns:a14="http://schemas.microsoft.com/office/drawing/2010/main" w="9525">
+                            <a:solidFill>
+                              <a:schemeClr val="tx1"/>
+                            </a:solidFill>
+                            <a:miter lim="800000"/>
+                            <a:headEnd/>
+                            <a:tailEnd/>
+                          </a14:hiddenLine>
+                        </a:ext>
+                        <a:ext uri="{AF507438-7753-43E0-B8FC-AC1667EBCBE1}">
+                          <a14:hiddenEffects xmlns:a14="http://schemas.microsoft.com/office/drawing/2010/main">
+                            <a:effectLst>
+                              <a:outerShdw dist="35921" dir="2700000" algn="ctr" rotWithShape="0">
+                                <a:schemeClr val="bg2"/>
+                              </a:outerShdw>
+                            </a:effectLst>
+                          </a14:hiddenEffects>
+                        </a:ext>
+                      </a:extLst>
+                    </p:spPr>
+                  </p:pic>
+                </p:oleObj>
+              </mc:Fallback>
+            </mc:AlternateContent>
           </a:graphicData>
         </a:graphic>
       </p:graphicFrame>
@@ -13758,13 +13727,6 @@
   <p:clrMapOvr>
     <a:masterClrMapping/>
   </p:clrMapOvr>
-  <p:timing>
-    <p:tnLst>
-      <p:par>
-        <p:cTn id="1" dur="indefinite" restart="never" nodeType="tmRoot"/>
-      </p:par>
-    </p:tnLst>
-  </p:timing>
 </p:sld>
 </file>
 
@@ -13799,9 +13761,82 @@
         </p:xfrm>
         <a:graphic>
           <a:graphicData uri="http://schemas.openxmlformats.org/presentationml/2006/ole">
-            <p:oleObj spid="_x0000_s5122" name="Bitmap Image" r:id="rId4" imgW="4963218" imgH="2580952" progId="PBrush">
-              <p:embed/>
-            </p:oleObj>
+            <mc:AlternateContent xmlns:mc="http://schemas.openxmlformats.org/markup-compatibility/2006">
+              <mc:Choice xmlns:v="urn:schemas-microsoft-com:vml" Requires="v">
+                <p:oleObj spid="_x0000_s5123" name="Bitmap Image" r:id="rId4" imgW="4963218" imgH="2580952" progId="PBrush">
+                  <p:embed/>
+                </p:oleObj>
+              </mc:Choice>
+              <mc:Fallback>
+                <p:oleObj name="Bitmap Image" r:id="rId4" imgW="4963218" imgH="2580952" progId="PBrush">
+                  <p:embed/>
+                  <p:pic>
+                    <p:nvPicPr>
+                      <p:cNvPr id="0" name="Picture 2"/>
+                      <p:cNvPicPr>
+                        <a:picLocks noChangeAspect="1" noChangeArrowheads="1"/>
+                      </p:cNvPicPr>
+                      <p:nvPr/>
+                    </p:nvPicPr>
+                    <p:blipFill>
+                      <a:blip r:embed="rId5">
+                        <a:extLst>
+                          <a:ext uri="{28A0092B-C50C-407E-A947-70E740481C1C}">
+                            <a14:useLocalDpi xmlns:a14="http://schemas.microsoft.com/office/drawing/2010/main" val="0"/>
+                          </a:ext>
+                        </a:extLst>
+                      </a:blip>
+                      <a:srcRect/>
+                      <a:stretch>
+                        <a:fillRect/>
+                      </a:stretch>
+                    </p:blipFill>
+                    <p:spPr bwMode="auto">
+                      <a:xfrm>
+                        <a:off x="838200" y="1524000"/>
+                        <a:ext cx="7010400" cy="3646488"/>
+                      </a:xfrm>
+                      <a:prstGeom prst="rect">
+                        <a:avLst/>
+                      </a:prstGeom>
+                      <a:noFill/>
+                      <a:ln>
+                        <a:noFill/>
+                      </a:ln>
+                      <a:effectLst/>
+                      <a:extLst>
+                        <a:ext uri="{909E8E84-426E-40DD-AFC4-6F175D3DCCD1}">
+                          <a14:hiddenFill xmlns:a14="http://schemas.microsoft.com/office/drawing/2010/main">
+                            <a:solidFill>
+                              <a:schemeClr val="accent1"/>
+                            </a:solidFill>
+                          </a14:hiddenFill>
+                        </a:ext>
+                        <a:ext uri="{91240B29-F687-4F45-9708-019B960494DF}">
+                          <a14:hiddenLine xmlns:a14="http://schemas.microsoft.com/office/drawing/2010/main" w="9525">
+                            <a:solidFill>
+                              <a:schemeClr val="tx1"/>
+                            </a:solidFill>
+                            <a:miter lim="800000"/>
+                            <a:headEnd/>
+                            <a:tailEnd/>
+                          </a14:hiddenLine>
+                        </a:ext>
+                        <a:ext uri="{AF507438-7753-43E0-B8FC-AC1667EBCBE1}">
+                          <a14:hiddenEffects xmlns:a14="http://schemas.microsoft.com/office/drawing/2010/main">
+                            <a:effectLst>
+                              <a:outerShdw dist="35921" dir="2700000" algn="ctr" rotWithShape="0">
+                                <a:schemeClr val="bg2"/>
+                              </a:outerShdw>
+                            </a:effectLst>
+                          </a14:hiddenEffects>
+                        </a:ext>
+                      </a:extLst>
+                    </p:spPr>
+                  </p:pic>
+                </p:oleObj>
+              </mc:Fallback>
+            </mc:AlternateContent>
           </a:graphicData>
         </a:graphic>
       </p:graphicFrame>
@@ -13965,13 +14000,6 @@
   <p:clrMapOvr>
     <a:masterClrMapping/>
   </p:clrMapOvr>
-  <p:timing>
-    <p:tnLst>
-      <p:par>
-        <p:cTn id="1" dur="indefinite" restart="never" nodeType="tmRoot"/>
-      </p:par>
-    </p:tnLst>
-  </p:timing>
 </p:sld>
 </file>
 
@@ -14050,9 +14078,82 @@
         </p:xfrm>
         <a:graphic>
           <a:graphicData uri="http://schemas.openxmlformats.org/presentationml/2006/ole">
-            <p:oleObj spid="_x0000_s6146" name="Bitmap Image" r:id="rId4" imgW="11590476" imgH="7000000" progId="PBrush">
-              <p:embed/>
-            </p:oleObj>
+            <mc:AlternateContent xmlns:mc="http://schemas.openxmlformats.org/markup-compatibility/2006">
+              <mc:Choice xmlns:v="urn:schemas-microsoft-com:vml" Requires="v">
+                <p:oleObj spid="_x0000_s6147" name="Bitmap Image" r:id="rId4" imgW="11590476" imgH="7000000" progId="PBrush">
+                  <p:embed/>
+                </p:oleObj>
+              </mc:Choice>
+              <mc:Fallback>
+                <p:oleObj name="Bitmap Image" r:id="rId4" imgW="11590476" imgH="7000000" progId="PBrush">
+                  <p:embed/>
+                  <p:pic>
+                    <p:nvPicPr>
+                      <p:cNvPr id="0" name="Picture 2"/>
+                      <p:cNvPicPr>
+                        <a:picLocks noChangeAspect="1" noChangeArrowheads="1"/>
+                      </p:cNvPicPr>
+                      <p:nvPr/>
+                    </p:nvPicPr>
+                    <p:blipFill>
+                      <a:blip r:embed="rId5">
+                        <a:extLst>
+                          <a:ext uri="{28A0092B-C50C-407E-A947-70E740481C1C}">
+                            <a14:useLocalDpi xmlns:a14="http://schemas.microsoft.com/office/drawing/2010/main" val="0"/>
+                          </a:ext>
+                        </a:extLst>
+                      </a:blip>
+                      <a:srcRect/>
+                      <a:stretch>
+                        <a:fillRect/>
+                      </a:stretch>
+                    </p:blipFill>
+                    <p:spPr bwMode="auto">
+                      <a:xfrm>
+                        <a:off x="457200" y="1219200"/>
+                        <a:ext cx="8001000" cy="4832350"/>
+                      </a:xfrm>
+                      <a:prstGeom prst="rect">
+                        <a:avLst/>
+                      </a:prstGeom>
+                      <a:noFill/>
+                      <a:ln>
+                        <a:noFill/>
+                      </a:ln>
+                      <a:effectLst/>
+                      <a:extLst>
+                        <a:ext uri="{909E8E84-426E-40DD-AFC4-6F175D3DCCD1}">
+                          <a14:hiddenFill xmlns:a14="http://schemas.microsoft.com/office/drawing/2010/main">
+                            <a:solidFill>
+                              <a:schemeClr val="accent1"/>
+                            </a:solidFill>
+                          </a14:hiddenFill>
+                        </a:ext>
+                        <a:ext uri="{91240B29-F687-4F45-9708-019B960494DF}">
+                          <a14:hiddenLine xmlns:a14="http://schemas.microsoft.com/office/drawing/2010/main" w="9525">
+                            <a:solidFill>
+                              <a:schemeClr val="tx1"/>
+                            </a:solidFill>
+                            <a:miter lim="800000"/>
+                            <a:headEnd/>
+                            <a:tailEnd/>
+                          </a14:hiddenLine>
+                        </a:ext>
+                        <a:ext uri="{AF507438-7753-43E0-B8FC-AC1667EBCBE1}">
+                          <a14:hiddenEffects xmlns:a14="http://schemas.microsoft.com/office/drawing/2010/main">
+                            <a:effectLst>
+                              <a:outerShdw dist="35921" dir="2700000" algn="ctr" rotWithShape="0">
+                                <a:schemeClr val="bg2"/>
+                              </a:outerShdw>
+                            </a:effectLst>
+                          </a14:hiddenEffects>
+                        </a:ext>
+                      </a:extLst>
+                    </p:spPr>
+                  </p:pic>
+                </p:oleObj>
+              </mc:Fallback>
+            </mc:AlternateContent>
           </a:graphicData>
         </a:graphic>
       </p:graphicFrame>
@@ -14061,13 +14162,6 @@
   <p:clrMapOvr>
     <a:masterClrMapping/>
   </p:clrMapOvr>
-  <p:timing>
-    <p:tnLst>
-      <p:par>
-        <p:cTn id="1" dur="indefinite" restart="never" nodeType="tmRoot"/>
-      </p:par>
-    </p:tnLst>
-  </p:timing>
 </p:sld>
 </file>
 
@@ -14111,14 +14205,13 @@
           <a:lstStyle/>
           <a:p>
             <a:r>
-              <a:rPr lang="en-US" dirty="0" err="1" smtClean="0"/>
+              <a:rPr lang="en-US" dirty="0" err="1"/>
               <a:t>java.lang.Math</a:t>
             </a:r>
             <a:r>
-              <a:rPr lang="en-US" dirty="0" smtClean="0"/>
+              <a:rPr lang="en-US" dirty="0"/>
               <a:t> is a collection of static values and methods</a:t>
             </a:r>
-            <a:endParaRPr lang="en-US" dirty="0"/>
           </a:p>
         </p:txBody>
       </p:sp>
@@ -14177,10 +14270,9 @@
           <a:lstStyle/>
           <a:p>
             <a:r>
-              <a:rPr lang="en-US" dirty="0" smtClean="0"/>
+              <a:rPr lang="en-US" dirty="0"/>
               <a:t>(F2 in eclipse with the cursor on any field will take you to a definition of that field)</a:t>
             </a:r>
-            <a:endParaRPr lang="en-US" dirty="0"/>
           </a:p>
         </p:txBody>
       </p:sp>
@@ -14189,13 +14281,6 @@
   <p:clrMapOvr>
     <a:masterClrMapping/>
   </p:clrMapOvr>
-  <p:timing>
-    <p:tnLst>
-      <p:par>
-        <p:cTn id="1" dur="indefinite" restart="never" nodeType="tmRoot"/>
-      </p:par>
-    </p:tnLst>
-  </p:timing>
 </p:sld>
 </file>
 
